--- a/git-workshop-opdracht-commit.pptx
+++ b/git-workshop-opdracht-commit.pptx
@@ -12,7 +12,6 @@
     <p:sldId id="257" r:id="rId7"/>
     <p:sldId id="258" r:id="rId8"/>
     <p:sldId id="259" r:id="rId9"/>
-    <p:sldId id="260" r:id="rId10"/>
   </p:sldIdLst>
   <p:sldSz cy="5143500" cx="9144000"/>
   <p:notesSz cx="6858000" cy="9144000"/>
@@ -261,7 +260,7 @@
       </p15:sldGuideLst>
     </p:ext>
     <p:ext uri="http://customooxmlschemas.google.com/">
-      <go:slidesCustomData xmlns:go="http://customooxmlschemas.google.com/" r:id="rId11" roundtripDataSignature="AMtx7mhkkkAehcraGAGRLULa0ho+7WpUOw=="/>
+      <go:slidesCustomData xmlns:go="http://customooxmlschemas.google.com/" r:id="rId10" roundtripDataSignature="AMtx7mi3YcBlmBMNzw46VmZ17H4E2QVp5g=="/>
     </p:ext>
   </p:extLst>
 </p:presentation>
@@ -950,7 +949,7 @@
   <p:cSld>
     <p:spTree>
       <p:nvGrpSpPr>
-        <p:cNvPr id="59" name="Shape 59"/>
+        <p:cNvPr id="60" name="Shape 60"/>
         <p:cNvGrpSpPr/>
         <p:nvPr/>
       </p:nvGrpSpPr>
@@ -964,7 +963,7 @@
       </p:grpSpPr>
       <p:sp>
         <p:nvSpPr>
-          <p:cNvPr id="60" name="Google Shape;60;p2:notes"/>
+          <p:cNvPr id="61" name="Google Shape;61;p2:notes"/>
           <p:cNvSpPr/>
           <p:nvPr>
             <p:ph idx="2" type="sldImg"/>
@@ -1009,7 +1008,7 @@
       </p:sp>
       <p:sp>
         <p:nvSpPr>
-          <p:cNvPr id="61" name="Google Shape;61;p2:notes"/>
+          <p:cNvPr id="62" name="Google Shape;62;p2:notes"/>
           <p:cNvSpPr txBox="1"/>
           <p:nvPr>
             <p:ph idx="1" type="body"/>
@@ -1067,7 +1066,7 @@
   <p:cSld>
     <p:spTree>
       <p:nvGrpSpPr>
-        <p:cNvPr id="71" name="Shape 71"/>
+        <p:cNvPr id="73" name="Shape 73"/>
         <p:cNvGrpSpPr/>
         <p:nvPr/>
       </p:nvGrpSpPr>
@@ -1081,7 +1080,7 @@
       </p:grpSpPr>
       <p:sp>
         <p:nvSpPr>
-          <p:cNvPr id="72" name="Google Shape;72;p3:notes"/>
+          <p:cNvPr id="74" name="Google Shape;74;p3:notes"/>
           <p:cNvSpPr/>
           <p:nvPr>
             <p:ph idx="2" type="sldImg"/>
@@ -1126,7 +1125,7 @@
       </p:sp>
       <p:sp>
         <p:nvSpPr>
-          <p:cNvPr id="73" name="Google Shape;73;p3:notes"/>
+          <p:cNvPr id="75" name="Google Shape;75;p3:notes"/>
           <p:cNvSpPr txBox="1"/>
           <p:nvPr>
             <p:ph idx="1" type="body"/>
@@ -1184,7 +1183,7 @@
   <p:cSld>
     <p:spTree>
       <p:nvGrpSpPr>
-        <p:cNvPr id="86" name="Shape 86"/>
+        <p:cNvPr id="89" name="Shape 89"/>
         <p:cNvGrpSpPr/>
         <p:nvPr/>
       </p:nvGrpSpPr>
@@ -1198,7 +1197,7 @@
       </p:grpSpPr>
       <p:sp>
         <p:nvSpPr>
-          <p:cNvPr id="87" name="Google Shape;87;g6245813c3e_0_4:notes"/>
+          <p:cNvPr id="90" name="Google Shape;90;g6245813c3e_0_15:notes"/>
           <p:cNvSpPr/>
           <p:nvPr>
             <p:ph idx="2" type="sldImg"/>
@@ -1243,124 +1242,7 @@
       </p:sp>
       <p:sp>
         <p:nvSpPr>
-          <p:cNvPr id="88" name="Google Shape;88;g6245813c3e_0_4:notes"/>
-          <p:cNvSpPr txBox="1"/>
-          <p:nvPr>
-            <p:ph idx="1" type="body"/>
-          </p:nvPr>
-        </p:nvSpPr>
-        <p:spPr>
-          <a:xfrm>
-            <a:off x="685800" y="4343400"/>
-            <a:ext cx="5486400" cy="4114800"/>
-          </a:xfrm>
-          <a:prstGeom prst="rect">
-            <a:avLst/>
-          </a:prstGeom>
-          <a:noFill/>
-          <a:ln>
-            <a:noFill/>
-          </a:ln>
-        </p:spPr>
-        <p:txBody>
-          <a:bodyPr anchorCtr="0" anchor="t" bIns="91425" lIns="91425" spcFirstLastPara="1" rIns="91425" wrap="square" tIns="91425">
-            <a:noAutofit/>
-          </a:bodyPr>
-          <a:lstStyle/>
-          <a:p>
-            <a:pPr indent="0" lvl="0" marL="0" rtl="0" algn="l">
-              <a:lnSpc>
-                <a:spcPct val="100000"/>
-              </a:lnSpc>
-              <a:spcBef>
-                <a:spcPts val="0"/>
-              </a:spcBef>
-              <a:spcAft>
-                <a:spcPts val="0"/>
-              </a:spcAft>
-              <a:buSzPts val="1100"/>
-              <a:buNone/>
-            </a:pPr>
-            <a:r>
-              <a:t/>
-            </a:r>
-            <a:endParaRPr/>
-          </a:p>
-        </p:txBody>
-      </p:sp>
-    </p:spTree>
-  </p:cSld>
-  <p:clrMapOvr>
-    <a:masterClrMapping/>
-  </p:clrMapOvr>
-</p:notes>
-</file>
-
-<file path=ppt/notesSlides/notesSlide5.xml><?xml version="1.0" encoding="utf-8"?>
-<p:notes xmlns:a="http://schemas.openxmlformats.org/drawingml/2006/main" xmlns:r="http://schemas.openxmlformats.org/officeDocument/2006/relationships" xmlns:mc="http://schemas.openxmlformats.org/markup-compatibility/2006" xmlns:mv="urn:schemas-microsoft-com:mac:vml" xmlns:p="http://schemas.openxmlformats.org/presentationml/2006/main" xmlns:c="http://schemas.openxmlformats.org/drawingml/2006/chart" xmlns:dgm="http://schemas.openxmlformats.org/drawingml/2006/diagram" xmlns:o="urn:schemas-microsoft-com:office:office" xmlns:v="urn:schemas-microsoft-com:vml" xmlns:pvml="urn:schemas-microsoft-com:office:powerpoint" xmlns:com="http://schemas.openxmlformats.org/drawingml/2006/compatibility" xmlns:p14="http://schemas.microsoft.com/office/powerpoint/2010/main" xmlns:p15="http://schemas.microsoft.com/office/powerpoint/2012/main" showMasterPhAnim="0" showMasterSp="0">
-  <p:cSld>
-    <p:spTree>
-      <p:nvGrpSpPr>
-        <p:cNvPr id="98" name="Shape 98"/>
-        <p:cNvGrpSpPr/>
-        <p:nvPr/>
-      </p:nvGrpSpPr>
-      <p:grpSpPr>
-        <a:xfrm>
-          <a:off x="0" y="0"/>
-          <a:ext cx="0" cy="0"/>
-          <a:chOff x="0" y="0"/>
-          <a:chExt cx="0" cy="0"/>
-        </a:xfrm>
-      </p:grpSpPr>
-      <p:sp>
-        <p:nvSpPr>
-          <p:cNvPr id="99" name="Google Shape;99;g6245813c3e_0_15:notes"/>
-          <p:cNvSpPr/>
-          <p:nvPr>
-            <p:ph idx="2" type="sldImg"/>
-          </p:nvPr>
-        </p:nvSpPr>
-        <p:spPr>
-          <a:xfrm>
-            <a:off x="381300" y="685800"/>
-            <a:ext cx="6096000" cy="3429000"/>
-          </a:xfrm>
-          <a:custGeom>
-            <a:rect b="b" l="l" r="r" t="t"/>
-            <a:pathLst>
-              <a:path extrusionOk="0" h="120000" w="120000">
-                <a:moveTo>
-                  <a:pt x="0" y="0"/>
-                </a:moveTo>
-                <a:lnTo>
-                  <a:pt x="120000" y="0"/>
-                </a:lnTo>
-                <a:lnTo>
-                  <a:pt x="120000" y="120000"/>
-                </a:lnTo>
-                <a:lnTo>
-                  <a:pt x="0" y="120000"/>
-                </a:lnTo>
-                <a:close/>
-              </a:path>
-            </a:pathLst>
-          </a:custGeom>
-          <a:noFill/>
-          <a:ln cap="flat" cmpd="sng" w="9525">
-            <a:solidFill>
-              <a:srgbClr val="000000"/>
-            </a:solidFill>
-            <a:prstDash val="solid"/>
-            <a:round/>
-            <a:headEnd len="sm" w="sm" type="none"/>
-            <a:tailEnd len="sm" w="sm" type="none"/>
-          </a:ln>
-        </p:spPr>
-      </p:sp>
-      <p:sp>
-        <p:nvSpPr>
-          <p:cNvPr id="100" name="Google Shape;100;g6245813c3e_0_15:notes"/>
+          <p:cNvPr id="91" name="Google Shape;91;g6245813c3e_0_15:notes"/>
           <p:cNvSpPr txBox="1"/>
           <p:nvPr>
             <p:ph idx="1" type="body"/>
@@ -9081,7 +8963,7 @@
         </p:nvSpPr>
         <p:spPr>
           <a:xfrm>
-            <a:off x="2852450" y="914400"/>
+            <a:off x="934564" y="914400"/>
             <a:ext cx="183000" cy="182100"/>
           </a:xfrm>
           <a:prstGeom prst="ellipse">
@@ -9146,7 +9028,7 @@
         </p:nvSpPr>
         <p:spPr>
           <a:xfrm>
-            <a:off x="3111500" y="868350"/>
+            <a:off x="1193614" y="868350"/>
             <a:ext cx="1097400" cy="274200"/>
           </a:xfrm>
           <a:prstGeom prst="rect">
@@ -9212,7 +9094,7 @@
         </p:nvSpPr>
         <p:spPr>
           <a:xfrm>
-            <a:off x="2201350" y="914400"/>
+            <a:off x="283464" y="914400"/>
             <a:ext cx="479700" cy="182100"/>
           </a:xfrm>
           <a:prstGeom prst="rect">
@@ -9249,18 +9131,84 @@
               <a:buNone/>
             </a:pPr>
             <a:r>
-              <a:rPr b="0" i="0" lang="en" sz="900" u="none" cap="none" strike="noStrike">
+              <a:rPr b="1" i="0" lang="en" sz="900" u="none" cap="none" strike="noStrike">
                 <a:solidFill>
                   <a:srgbClr val="000000"/>
                 </a:solidFill>
-                <a:latin typeface="Arial"/>
-                <a:ea typeface="Arial"/>
-                <a:cs typeface="Arial"/>
-                <a:sym typeface="Arial"/>
               </a:rPr>
               <a:t>master</a:t>
             </a:r>
-            <a:endParaRPr b="0" i="0" sz="900" u="none" cap="none" strike="noStrike">
+            <a:endParaRPr b="1" i="0" sz="900" u="none" cap="none" strike="noStrike">
+              <a:solidFill>
+                <a:srgbClr val="000000"/>
+              </a:solidFill>
+            </a:endParaRPr>
+          </a:p>
+        </p:txBody>
+      </p:sp>
+      <p:sp>
+        <p:nvSpPr>
+          <p:cNvPr id="57" name="Google Shape;57;p1"/>
+          <p:cNvSpPr txBox="1"/>
+          <p:nvPr/>
+        </p:nvSpPr>
+        <p:spPr>
+          <a:xfrm>
+            <a:off x="275925" y="2571750"/>
+            <a:ext cx="1875000" cy="2253300"/>
+          </a:xfrm>
+          <a:prstGeom prst="rect">
+            <a:avLst/>
+          </a:prstGeom>
+          <a:solidFill>
+            <a:srgbClr val="CFE2F3"/>
+          </a:solidFill>
+          <a:ln cap="flat" cmpd="sng" w="9525">
+            <a:solidFill>
+              <a:srgbClr val="000000"/>
+            </a:solidFill>
+            <a:prstDash val="solid"/>
+            <a:round/>
+            <a:headEnd len="sm" w="sm" type="none"/>
+            <a:tailEnd len="sm" w="sm" type="none"/>
+          </a:ln>
+        </p:spPr>
+        <p:txBody>
+          <a:bodyPr anchorCtr="0" anchor="t" bIns="91425" lIns="91425" spcFirstLastPara="1" rIns="91425" wrap="square" tIns="91425">
+            <a:noAutofit/>
+          </a:bodyPr>
+          <a:lstStyle/>
+          <a:p>
+            <a:pPr indent="0" lvl="0" marL="0" marR="0" rtl="0" algn="l">
+              <a:lnSpc>
+                <a:spcPct val="100000"/>
+              </a:lnSpc>
+              <a:spcBef>
+                <a:spcPts val="0"/>
+              </a:spcBef>
+              <a:spcAft>
+                <a:spcPts val="0"/>
+              </a:spcAft>
+              <a:buClr>
+                <a:schemeClr val="dk1"/>
+              </a:buClr>
+              <a:buSzPts val="1100"/>
+              <a:buFont typeface="Arial"/>
+              <a:buNone/>
+            </a:pPr>
+            <a:r>
+              <a:rPr b="0" i="0" lang="en" sz="1400" u="none" cap="none" strike="noStrike">
+                <a:solidFill>
+                  <a:srgbClr val="000000"/>
+                </a:solidFill>
+                <a:latin typeface="Arial"/>
+                <a:ea typeface="Arial"/>
+                <a:cs typeface="Arial"/>
+                <a:sym typeface="Arial"/>
+              </a:rPr>
+              <a:t>git init</a:t>
+            </a:r>
+            <a:endParaRPr b="0" i="0" sz="1400" u="none" cap="none" strike="noStrike">
               <a:solidFill>
                 <a:srgbClr val="000000"/>
               </a:solidFill>
@@ -9270,11 +9218,619 @@
               <a:sym typeface="Arial"/>
             </a:endParaRPr>
           </a:p>
+          <a:p>
+            <a:pPr indent="0" lvl="0" marL="0" marR="0" rtl="0" algn="l">
+              <a:lnSpc>
+                <a:spcPct val="100000"/>
+              </a:lnSpc>
+              <a:spcBef>
+                <a:spcPts val="0"/>
+              </a:spcBef>
+              <a:spcAft>
+                <a:spcPts val="0"/>
+              </a:spcAft>
+              <a:buClr>
+                <a:schemeClr val="dk1"/>
+              </a:buClr>
+              <a:buSzPts val="1100"/>
+              <a:buFont typeface="Arial"/>
+              <a:buNone/>
+            </a:pPr>
+            <a:r>
+              <a:rPr b="0" i="0" lang="en" sz="1400" u="none" cap="none" strike="noStrike">
+                <a:solidFill>
+                  <a:srgbClr val="000000"/>
+                </a:solidFill>
+                <a:latin typeface="Arial"/>
+                <a:ea typeface="Arial"/>
+                <a:cs typeface="Arial"/>
+                <a:sym typeface="Arial"/>
+              </a:rPr>
+              <a:t>git status</a:t>
+            </a:r>
+            <a:endParaRPr b="0" i="0" sz="1400" u="none" cap="none" strike="noStrike">
+              <a:solidFill>
+                <a:srgbClr val="000000"/>
+              </a:solidFill>
+              <a:latin typeface="Arial"/>
+              <a:ea typeface="Arial"/>
+              <a:cs typeface="Arial"/>
+              <a:sym typeface="Arial"/>
+            </a:endParaRPr>
+          </a:p>
+          <a:p>
+            <a:pPr indent="0" lvl="0" marL="0" marR="0" rtl="0" algn="l">
+              <a:lnSpc>
+                <a:spcPct val="100000"/>
+              </a:lnSpc>
+              <a:spcBef>
+                <a:spcPts val="0"/>
+              </a:spcBef>
+              <a:spcAft>
+                <a:spcPts val="0"/>
+              </a:spcAft>
+              <a:buClr>
+                <a:schemeClr val="dk1"/>
+              </a:buClr>
+              <a:buSzPts val="1100"/>
+              <a:buFont typeface="Arial"/>
+              <a:buNone/>
+            </a:pPr>
+            <a:r>
+              <a:rPr b="0" i="0" lang="en" sz="1400" u="none" cap="none" strike="noStrike">
+                <a:solidFill>
+                  <a:srgbClr val="000000"/>
+                </a:solidFill>
+                <a:latin typeface="Arial"/>
+                <a:ea typeface="Arial"/>
+                <a:cs typeface="Arial"/>
+                <a:sym typeface="Arial"/>
+              </a:rPr>
+              <a:t>git add</a:t>
+            </a:r>
+            <a:endParaRPr b="0" i="0" sz="1400" u="none" cap="none" strike="noStrike">
+              <a:solidFill>
+                <a:srgbClr val="000000"/>
+              </a:solidFill>
+              <a:latin typeface="Arial"/>
+              <a:ea typeface="Arial"/>
+              <a:cs typeface="Arial"/>
+              <a:sym typeface="Arial"/>
+            </a:endParaRPr>
+          </a:p>
+          <a:p>
+            <a:pPr indent="0" lvl="0" marL="0" marR="0" rtl="0" algn="l">
+              <a:lnSpc>
+                <a:spcPct val="100000"/>
+              </a:lnSpc>
+              <a:spcBef>
+                <a:spcPts val="0"/>
+              </a:spcBef>
+              <a:spcAft>
+                <a:spcPts val="0"/>
+              </a:spcAft>
+              <a:buClr>
+                <a:schemeClr val="dk1"/>
+              </a:buClr>
+              <a:buSzPts val="1100"/>
+              <a:buFont typeface="Arial"/>
+              <a:buNone/>
+            </a:pPr>
+            <a:r>
+              <a:rPr b="0" i="0" lang="en" sz="1400" u="none" cap="none" strike="noStrike">
+                <a:solidFill>
+                  <a:srgbClr val="000000"/>
+                </a:solidFill>
+                <a:latin typeface="Arial"/>
+                <a:ea typeface="Arial"/>
+                <a:cs typeface="Arial"/>
+                <a:sym typeface="Arial"/>
+              </a:rPr>
+              <a:t>git diff --color-words</a:t>
+            </a:r>
+            <a:endParaRPr b="0" i="0" sz="1400" u="none" cap="none" strike="noStrike">
+              <a:solidFill>
+                <a:srgbClr val="000000"/>
+              </a:solidFill>
+              <a:latin typeface="Arial"/>
+              <a:ea typeface="Arial"/>
+              <a:cs typeface="Arial"/>
+              <a:sym typeface="Arial"/>
+            </a:endParaRPr>
+          </a:p>
+          <a:p>
+            <a:pPr indent="0" lvl="0" marL="0" marR="0" rtl="0" algn="l">
+              <a:lnSpc>
+                <a:spcPct val="100000"/>
+              </a:lnSpc>
+              <a:spcBef>
+                <a:spcPts val="0"/>
+              </a:spcBef>
+              <a:spcAft>
+                <a:spcPts val="0"/>
+              </a:spcAft>
+              <a:buClr>
+                <a:schemeClr val="dk1"/>
+              </a:buClr>
+              <a:buSzPts val="1100"/>
+              <a:buFont typeface="Arial"/>
+              <a:buNone/>
+            </a:pPr>
+            <a:r>
+              <a:rPr b="0" i="0" lang="en" sz="1400" u="none" cap="none" strike="noStrike">
+                <a:solidFill>
+                  <a:srgbClr val="000000"/>
+                </a:solidFill>
+                <a:latin typeface="Arial"/>
+                <a:ea typeface="Arial"/>
+                <a:cs typeface="Arial"/>
+                <a:sym typeface="Arial"/>
+              </a:rPr>
+              <a:t>git diff --help</a:t>
+            </a:r>
+            <a:endParaRPr b="0" i="0" sz="1400" u="none" cap="none" strike="noStrike">
+              <a:solidFill>
+                <a:srgbClr val="000000"/>
+              </a:solidFill>
+              <a:latin typeface="Arial"/>
+              <a:ea typeface="Arial"/>
+              <a:cs typeface="Arial"/>
+              <a:sym typeface="Arial"/>
+            </a:endParaRPr>
+          </a:p>
+          <a:p>
+            <a:pPr indent="0" lvl="0" marL="0" marR="0" rtl="0" algn="l">
+              <a:lnSpc>
+                <a:spcPct val="100000"/>
+              </a:lnSpc>
+              <a:spcBef>
+                <a:spcPts val="0"/>
+              </a:spcBef>
+              <a:spcAft>
+                <a:spcPts val="0"/>
+              </a:spcAft>
+              <a:buClr>
+                <a:schemeClr val="dk1"/>
+              </a:buClr>
+              <a:buSzPts val="1100"/>
+              <a:buFont typeface="Arial"/>
+              <a:buNone/>
+            </a:pPr>
+            <a:r>
+              <a:rPr b="0" i="0" lang="en" sz="1400" u="none" cap="none" strike="noStrike">
+                <a:solidFill>
+                  <a:srgbClr val="000000"/>
+                </a:solidFill>
+                <a:latin typeface="Arial"/>
+                <a:ea typeface="Arial"/>
+                <a:cs typeface="Arial"/>
+                <a:sym typeface="Arial"/>
+              </a:rPr>
+              <a:t>git commit</a:t>
+            </a:r>
+            <a:endParaRPr b="0" i="0" sz="1400" u="none" cap="none" strike="noStrike">
+              <a:solidFill>
+                <a:srgbClr val="000000"/>
+              </a:solidFill>
+              <a:latin typeface="Arial"/>
+              <a:ea typeface="Arial"/>
+              <a:cs typeface="Arial"/>
+              <a:sym typeface="Arial"/>
+            </a:endParaRPr>
+          </a:p>
+          <a:p>
+            <a:pPr indent="0" lvl="0" marL="0" rtl="0" algn="l">
+              <a:spcBef>
+                <a:spcPts val="0"/>
+              </a:spcBef>
+              <a:spcAft>
+                <a:spcPts val="0"/>
+              </a:spcAft>
+              <a:buClr>
+                <a:schemeClr val="dk1"/>
+              </a:buClr>
+              <a:buSzPts val="1100"/>
+              <a:buFont typeface="Arial"/>
+              <a:buNone/>
+            </a:pPr>
+            <a:r>
+              <a:rPr lang="en">
+                <a:solidFill>
+                  <a:schemeClr val="dk1"/>
+                </a:solidFill>
+              </a:rPr>
+              <a:t>git commit -m</a:t>
+            </a:r>
+            <a:endParaRPr>
+              <a:solidFill>
+                <a:schemeClr val="dk1"/>
+              </a:solidFill>
+            </a:endParaRPr>
+          </a:p>
+          <a:p>
+            <a:pPr indent="0" lvl="0" marL="0" rtl="0" algn="l">
+              <a:spcBef>
+                <a:spcPts val="0"/>
+              </a:spcBef>
+              <a:spcAft>
+                <a:spcPts val="0"/>
+              </a:spcAft>
+              <a:buClr>
+                <a:schemeClr val="dk1"/>
+              </a:buClr>
+              <a:buSzPts val="1100"/>
+              <a:buFont typeface="Arial"/>
+              <a:buNone/>
+            </a:pPr>
+            <a:r>
+              <a:rPr lang="en">
+                <a:solidFill>
+                  <a:schemeClr val="dk1"/>
+                </a:solidFill>
+              </a:rPr>
+              <a:t>git commit -am</a:t>
+            </a:r>
+            <a:endParaRPr>
+              <a:solidFill>
+                <a:schemeClr val="dk1"/>
+              </a:solidFill>
+            </a:endParaRPr>
+          </a:p>
+          <a:p>
+            <a:pPr indent="0" lvl="0" marL="0" rtl="0" algn="l">
+              <a:spcBef>
+                <a:spcPts val="0"/>
+              </a:spcBef>
+              <a:spcAft>
+                <a:spcPts val="0"/>
+              </a:spcAft>
+              <a:buClr>
+                <a:schemeClr val="dk1"/>
+              </a:buClr>
+              <a:buSzPts val="1100"/>
+              <a:buFont typeface="Arial"/>
+              <a:buNone/>
+            </a:pPr>
+            <a:r>
+              <a:rPr lang="en">
+                <a:solidFill>
+                  <a:schemeClr val="dk1"/>
+                </a:solidFill>
+              </a:rPr>
+              <a:t>git log</a:t>
+            </a:r>
+            <a:endParaRPr>
+              <a:solidFill>
+                <a:schemeClr val="dk1"/>
+              </a:solidFill>
+            </a:endParaRPr>
+          </a:p>
+          <a:p>
+            <a:pPr indent="0" lvl="0" marL="0" marR="0" rtl="0" algn="l">
+              <a:lnSpc>
+                <a:spcPct val="100000"/>
+              </a:lnSpc>
+              <a:spcBef>
+                <a:spcPts val="0"/>
+              </a:spcBef>
+              <a:spcAft>
+                <a:spcPts val="0"/>
+              </a:spcAft>
+              <a:buClr>
+                <a:srgbClr val="000000"/>
+              </a:buClr>
+              <a:buSzPts val="1400"/>
+              <a:buFont typeface="Arial"/>
+              <a:buNone/>
+            </a:pPr>
+            <a:r>
+              <a:rPr b="0" i="0" lang="en" sz="1400" u="none" cap="none" strike="noStrike">
+                <a:solidFill>
+                  <a:srgbClr val="000000"/>
+                </a:solidFill>
+                <a:latin typeface="Arial"/>
+                <a:ea typeface="Arial"/>
+                <a:cs typeface="Arial"/>
+                <a:sym typeface="Arial"/>
+              </a:rPr>
+              <a:t>git commit --amend</a:t>
+            </a:r>
+            <a:endParaRPr b="0" i="0" sz="1400" u="none" cap="none" strike="noStrike">
+              <a:solidFill>
+                <a:srgbClr val="000000"/>
+              </a:solidFill>
+              <a:latin typeface="Arial"/>
+              <a:ea typeface="Arial"/>
+              <a:cs typeface="Arial"/>
+              <a:sym typeface="Arial"/>
+            </a:endParaRPr>
+          </a:p>
         </p:txBody>
       </p:sp>
       <p:sp>
         <p:nvSpPr>
-          <p:cNvPr id="57" name="Google Shape;57;p1"/>
+          <p:cNvPr id="58" name="Google Shape;58;p1"/>
+          <p:cNvSpPr txBox="1"/>
+          <p:nvPr/>
+        </p:nvSpPr>
+        <p:spPr>
+          <a:xfrm>
+            <a:off x="2709700" y="742875"/>
+            <a:ext cx="6434100" cy="3905400"/>
+          </a:xfrm>
+          <a:prstGeom prst="rect">
+            <a:avLst/>
+          </a:prstGeom>
+          <a:noFill/>
+          <a:ln>
+            <a:noFill/>
+          </a:ln>
+        </p:spPr>
+        <p:txBody>
+          <a:bodyPr anchorCtr="0" anchor="t" bIns="91425" lIns="91425" spcFirstLastPara="1" rIns="91425" wrap="square" tIns="91425">
+            <a:noAutofit/>
+          </a:bodyPr>
+          <a:lstStyle/>
+          <a:p>
+            <a:pPr indent="-330200" lvl="0" marL="457200" rtl="0" algn="l">
+              <a:spcBef>
+                <a:spcPts val="0"/>
+              </a:spcBef>
+              <a:spcAft>
+                <a:spcPts val="0"/>
+              </a:spcAft>
+              <a:buSzPts val="1600"/>
+              <a:buChar char="●"/>
+            </a:pPr>
+            <a:r>
+              <a:rPr lang="en" sz="1600"/>
+              <a:t>maak lokale repository</a:t>
+            </a:r>
+            <a:endParaRPr sz="1600"/>
+          </a:p>
+          <a:p>
+            <a:pPr indent="-330200" lvl="0" marL="457200" rtl="0" algn="l">
+              <a:spcBef>
+                <a:spcPts val="0"/>
+              </a:spcBef>
+              <a:spcAft>
+                <a:spcPts val="0"/>
+              </a:spcAft>
+              <a:buSzPts val="1600"/>
+              <a:buChar char="●"/>
+            </a:pPr>
+            <a:r>
+              <a:rPr lang="en" sz="1600"/>
+              <a:t>vraag regelmatig status op</a:t>
+            </a:r>
+            <a:endParaRPr sz="1600"/>
+          </a:p>
+          <a:p>
+            <a:pPr indent="-330200" lvl="0" marL="457200" rtl="0" algn="l">
+              <a:spcBef>
+                <a:spcPts val="0"/>
+              </a:spcBef>
+              <a:spcAft>
+                <a:spcPts val="0"/>
+              </a:spcAft>
+              <a:buSzPts val="1600"/>
+              <a:buChar char="●"/>
+            </a:pPr>
+            <a:r>
+              <a:rPr lang="en" sz="1600"/>
+              <a:t>lees de complete status tekst</a:t>
+            </a:r>
+            <a:endParaRPr sz="1600"/>
+          </a:p>
+          <a:p>
+            <a:pPr indent="-330200" lvl="0" marL="457200" rtl="0" algn="l">
+              <a:spcBef>
+                <a:spcPts val="0"/>
+              </a:spcBef>
+              <a:spcAft>
+                <a:spcPts val="0"/>
+              </a:spcAft>
+              <a:buSzPts val="1600"/>
+              <a:buChar char="●"/>
+            </a:pPr>
+            <a:r>
+              <a:rPr lang="en" sz="1600"/>
+              <a:t>maak bestanden</a:t>
+            </a:r>
+            <a:endParaRPr sz="1600"/>
+          </a:p>
+          <a:p>
+            <a:pPr indent="-330200" lvl="0" marL="457200" rtl="0" algn="l">
+              <a:spcBef>
+                <a:spcPts val="0"/>
+              </a:spcBef>
+              <a:spcAft>
+                <a:spcPts val="0"/>
+              </a:spcAft>
+              <a:buSzPts val="1600"/>
+              <a:buChar char="●"/>
+            </a:pPr>
+            <a:r>
+              <a:rPr lang="en" sz="1600"/>
+              <a:t>maak ze bekend bij Git</a:t>
+            </a:r>
+            <a:endParaRPr sz="1600"/>
+          </a:p>
+          <a:p>
+            <a:pPr indent="-330200" lvl="0" marL="457200" rtl="0" algn="l">
+              <a:spcBef>
+                <a:spcPts val="0"/>
+              </a:spcBef>
+              <a:spcAft>
+                <a:spcPts val="0"/>
+              </a:spcAft>
+              <a:buSzPts val="1600"/>
+              <a:buChar char="●"/>
+            </a:pPr>
+            <a:r>
+              <a:rPr lang="en" sz="1600"/>
+              <a:t>stage bestanden</a:t>
+            </a:r>
+            <a:endParaRPr sz="1600"/>
+          </a:p>
+          <a:p>
+            <a:pPr indent="-330200" lvl="0" marL="457200" rtl="0" algn="l">
+              <a:spcBef>
+                <a:spcPts val="0"/>
+              </a:spcBef>
+              <a:spcAft>
+                <a:spcPts val="0"/>
+              </a:spcAft>
+              <a:buSzPts val="1600"/>
+              <a:buChar char="●"/>
+            </a:pPr>
+            <a:r>
+              <a:rPr lang="en" sz="1600"/>
+              <a:t>unstage bestanden</a:t>
+            </a:r>
+            <a:endParaRPr sz="1600"/>
+          </a:p>
+          <a:p>
+            <a:pPr indent="-330200" lvl="0" marL="457200" rtl="0" algn="l">
+              <a:spcBef>
+                <a:spcPts val="0"/>
+              </a:spcBef>
+              <a:spcAft>
+                <a:spcPts val="0"/>
+              </a:spcAft>
+              <a:buSzPts val="1600"/>
+              <a:buChar char="●"/>
+            </a:pPr>
+            <a:r>
+              <a:rPr lang="en" sz="1600"/>
+              <a:t>commit bestanden</a:t>
+            </a:r>
+            <a:endParaRPr sz="1600"/>
+          </a:p>
+          <a:p>
+            <a:pPr indent="-330200" lvl="0" marL="457200" rtl="0" algn="l">
+              <a:spcBef>
+                <a:spcPts val="0"/>
+              </a:spcBef>
+              <a:spcAft>
+                <a:spcPts val="0"/>
+              </a:spcAft>
+              <a:buSzPts val="1600"/>
+              <a:buChar char="●"/>
+            </a:pPr>
+            <a:r>
+              <a:rPr lang="en" sz="1600"/>
+              <a:t>vraag log op</a:t>
+            </a:r>
+            <a:endParaRPr sz="1600"/>
+          </a:p>
+          <a:p>
+            <a:pPr indent="-330200" lvl="0" marL="457200" rtl="0" algn="l">
+              <a:spcBef>
+                <a:spcPts val="0"/>
+              </a:spcBef>
+              <a:spcAft>
+                <a:spcPts val="0"/>
+              </a:spcAft>
+              <a:buSzPts val="1600"/>
+              <a:buChar char="●"/>
+            </a:pPr>
+            <a:r>
+              <a:rPr lang="en" sz="1600"/>
+              <a:t>wijzig bestanden</a:t>
+            </a:r>
+            <a:endParaRPr sz="1600"/>
+          </a:p>
+          <a:p>
+            <a:pPr indent="-330200" lvl="0" marL="457200" rtl="0" algn="l">
+              <a:spcBef>
+                <a:spcPts val="0"/>
+              </a:spcBef>
+              <a:spcAft>
+                <a:spcPts val="0"/>
+              </a:spcAft>
+              <a:buSzPts val="1600"/>
+              <a:buChar char="●"/>
+            </a:pPr>
+            <a:r>
+              <a:rPr lang="en" sz="1600"/>
+              <a:t>vraag wijzigingen op</a:t>
+            </a:r>
+            <a:endParaRPr sz="1600"/>
+          </a:p>
+          <a:p>
+            <a:pPr indent="-330200" lvl="0" marL="457200" rtl="0" algn="l">
+              <a:spcBef>
+                <a:spcPts val="0"/>
+              </a:spcBef>
+              <a:spcAft>
+                <a:spcPts val="0"/>
+              </a:spcAft>
+              <a:buSzPts val="1600"/>
+              <a:buChar char="●"/>
+            </a:pPr>
+            <a:r>
+              <a:rPr lang="en" sz="1600"/>
+              <a:t>maak meerdere bestanden</a:t>
+            </a:r>
+            <a:endParaRPr sz="1600"/>
+          </a:p>
+          <a:p>
+            <a:pPr indent="-330200" lvl="0" marL="457200" rtl="0" algn="l">
+              <a:spcBef>
+                <a:spcPts val="0"/>
+              </a:spcBef>
+              <a:spcAft>
+                <a:spcPts val="0"/>
+              </a:spcAft>
+              <a:buSzPts val="1600"/>
+              <a:buChar char="●"/>
+            </a:pPr>
+            <a:r>
+              <a:rPr lang="en" sz="1600"/>
+              <a:t>stage slechts één daarvan en commit(atomic commit)</a:t>
+            </a:r>
+            <a:endParaRPr sz="1600"/>
+          </a:p>
+          <a:p>
+            <a:pPr indent="-330200" lvl="0" marL="457200" rtl="0" algn="l">
+              <a:spcBef>
+                <a:spcPts val="0"/>
+              </a:spcBef>
+              <a:spcAft>
+                <a:spcPts val="0"/>
+              </a:spcAft>
+              <a:buSzPts val="1600"/>
+              <a:buChar char="●"/>
+            </a:pPr>
+            <a:r>
+              <a:rPr lang="en" sz="1600"/>
+              <a:t>wijzig een commit-tekst</a:t>
+            </a:r>
+            <a:endParaRPr sz="1600"/>
+          </a:p>
+          <a:p>
+            <a:pPr indent="-330200" lvl="0" marL="457200" rtl="0" algn="l">
+              <a:spcBef>
+                <a:spcPts val="0"/>
+              </a:spcBef>
+              <a:spcAft>
+                <a:spcPts val="0"/>
+              </a:spcAft>
+              <a:buSzPts val="1600"/>
+              <a:buChar char="●"/>
+            </a:pPr>
+            <a:r>
+              <a:rPr lang="en" sz="1600"/>
+              <a:t>bij reeds bekende bestanden gebruik de -am optie van commit</a:t>
+            </a:r>
+            <a:endParaRPr sz="1600"/>
+          </a:p>
+        </p:txBody>
+      </p:sp>
+      <p:sp>
+        <p:nvSpPr>
+          <p:cNvPr id="59" name="Google Shape;59;p1"/>
           <p:cNvSpPr txBox="1"/>
           <p:nvPr/>
         </p:nvSpPr>
@@ -9317,6 +9873,14 @@
               <a:buNone/>
             </a:pPr>
             <a:r>
+              <a:rPr lang="en" sz="1600">
+                <a:solidFill>
+                  <a:schemeClr val="dk1"/>
+                </a:solidFill>
+              </a:rPr>
+              <a:t>1. Opdracht </a:t>
+            </a:r>
+            <a:r>
               <a:rPr b="0" i="0" lang="en" sz="1400" u="none" cap="none" strike="noStrike">
                 <a:solidFill>
                   <a:srgbClr val="000000"/>
@@ -9337,266 +9901,6 @@
               <a:cs typeface="Arial"/>
               <a:sym typeface="Arial"/>
             </a:endParaRPr>
-          </a:p>
-        </p:txBody>
-      </p:sp>
-      <p:sp>
-        <p:nvSpPr>
-          <p:cNvPr id="58" name="Google Shape;58;p1"/>
-          <p:cNvSpPr txBox="1"/>
-          <p:nvPr/>
-        </p:nvSpPr>
-        <p:spPr>
-          <a:xfrm>
-            <a:off x="6615075" y="868350"/>
-            <a:ext cx="1875000" cy="2515200"/>
-          </a:xfrm>
-          <a:prstGeom prst="rect">
-            <a:avLst/>
-          </a:prstGeom>
-          <a:solidFill>
-            <a:srgbClr val="CFE2F3"/>
-          </a:solidFill>
-          <a:ln cap="flat" cmpd="sng" w="9525">
-            <a:solidFill>
-              <a:srgbClr val="000000"/>
-            </a:solidFill>
-            <a:prstDash val="solid"/>
-            <a:round/>
-            <a:headEnd len="sm" w="sm" type="none"/>
-            <a:tailEnd len="sm" w="sm" type="none"/>
-          </a:ln>
-        </p:spPr>
-        <p:txBody>
-          <a:bodyPr anchorCtr="0" anchor="t" bIns="91425" lIns="91425" spcFirstLastPara="1" rIns="91425" wrap="square" tIns="91425">
-            <a:noAutofit/>
-          </a:bodyPr>
-          <a:lstStyle/>
-          <a:p>
-            <a:pPr indent="0" lvl="0" marL="0" rtl="0" algn="l">
-              <a:spcBef>
-                <a:spcPts val="0"/>
-              </a:spcBef>
-              <a:spcAft>
-                <a:spcPts val="0"/>
-              </a:spcAft>
-              <a:buClr>
-                <a:schemeClr val="dk1"/>
-              </a:buClr>
-              <a:buSzPts val="1100"/>
-              <a:buFont typeface="Arial"/>
-              <a:buNone/>
-            </a:pPr>
-            <a:r>
-              <a:rPr lang="en"/>
-              <a:t>git init</a:t>
-            </a:r>
-            <a:endParaRPr/>
-          </a:p>
-          <a:p>
-            <a:pPr indent="0" lvl="0" marL="0" rtl="0" algn="l">
-              <a:spcBef>
-                <a:spcPts val="0"/>
-              </a:spcBef>
-              <a:spcAft>
-                <a:spcPts val="0"/>
-              </a:spcAft>
-              <a:buClr>
-                <a:schemeClr val="dk1"/>
-              </a:buClr>
-              <a:buSzPts val="1100"/>
-              <a:buFont typeface="Arial"/>
-              <a:buNone/>
-            </a:pPr>
-            <a:r>
-              <a:rPr lang="en"/>
-              <a:t>git status</a:t>
-            </a:r>
-            <a:endParaRPr/>
-          </a:p>
-          <a:p>
-            <a:pPr indent="0" lvl="0" marL="0" rtl="0" algn="l">
-              <a:spcBef>
-                <a:spcPts val="0"/>
-              </a:spcBef>
-              <a:spcAft>
-                <a:spcPts val="0"/>
-              </a:spcAft>
-              <a:buClr>
-                <a:schemeClr val="dk1"/>
-              </a:buClr>
-              <a:buSzPts val="1100"/>
-              <a:buFont typeface="Arial"/>
-              <a:buNone/>
-            </a:pPr>
-            <a:r>
-              <a:rPr lang="en"/>
-              <a:t>git add</a:t>
-            </a:r>
-            <a:endParaRPr/>
-          </a:p>
-          <a:p>
-            <a:pPr indent="0" lvl="0" marL="0" rtl="0" algn="l">
-              <a:spcBef>
-                <a:spcPts val="0"/>
-              </a:spcBef>
-              <a:spcAft>
-                <a:spcPts val="0"/>
-              </a:spcAft>
-              <a:buClr>
-                <a:schemeClr val="dk1"/>
-              </a:buClr>
-              <a:buSzPts val="1100"/>
-              <a:buFont typeface="Arial"/>
-              <a:buNone/>
-            </a:pPr>
-            <a:r>
-              <a:rPr lang="en"/>
-              <a:t>git diff --color-words</a:t>
-            </a:r>
-            <a:endParaRPr/>
-          </a:p>
-          <a:p>
-            <a:pPr indent="0" lvl="0" marL="0" rtl="0" algn="l">
-              <a:spcBef>
-                <a:spcPts val="0"/>
-              </a:spcBef>
-              <a:spcAft>
-                <a:spcPts val="0"/>
-              </a:spcAft>
-              <a:buClr>
-                <a:schemeClr val="dk1"/>
-              </a:buClr>
-              <a:buSzPts val="1100"/>
-              <a:buFont typeface="Arial"/>
-              <a:buNone/>
-            </a:pPr>
-            <a:r>
-              <a:rPr lang="en"/>
-              <a:t>git diff --help</a:t>
-            </a:r>
-            <a:endParaRPr/>
-          </a:p>
-          <a:p>
-            <a:pPr indent="0" lvl="0" marL="0" rtl="0" algn="l">
-              <a:spcBef>
-                <a:spcPts val="0"/>
-              </a:spcBef>
-              <a:spcAft>
-                <a:spcPts val="0"/>
-              </a:spcAft>
-              <a:buClr>
-                <a:schemeClr val="dk1"/>
-              </a:buClr>
-              <a:buSzPts val="1100"/>
-              <a:buFont typeface="Arial"/>
-              <a:buNone/>
-            </a:pPr>
-            <a:r>
-              <a:rPr lang="en"/>
-              <a:t>git commit -m</a:t>
-            </a:r>
-            <a:endParaRPr/>
-          </a:p>
-          <a:p>
-            <a:pPr indent="0" lvl="0" marL="0" rtl="0" algn="l">
-              <a:spcBef>
-                <a:spcPts val="0"/>
-              </a:spcBef>
-              <a:spcAft>
-                <a:spcPts val="0"/>
-              </a:spcAft>
-              <a:buClr>
-                <a:schemeClr val="dk1"/>
-              </a:buClr>
-              <a:buSzPts val="1100"/>
-              <a:buFont typeface="Arial"/>
-              <a:buNone/>
-            </a:pPr>
-            <a:r>
-              <a:rPr lang="en"/>
-              <a:t>git commit</a:t>
-            </a:r>
-            <a:endParaRPr/>
-          </a:p>
-          <a:p>
-            <a:pPr indent="0" lvl="0" marL="0" rtl="0" algn="l">
-              <a:spcBef>
-                <a:spcPts val="0"/>
-              </a:spcBef>
-              <a:spcAft>
-                <a:spcPts val="0"/>
-              </a:spcAft>
-              <a:buClr>
-                <a:schemeClr val="dk1"/>
-              </a:buClr>
-              <a:buSzPts val="1100"/>
-              <a:buFont typeface="Arial"/>
-              <a:buNone/>
-            </a:pPr>
-            <a:r>
-              <a:rPr lang="en"/>
-              <a:t>git log</a:t>
-            </a:r>
-            <a:endParaRPr/>
-          </a:p>
-          <a:p>
-            <a:pPr indent="0" lvl="0" marL="0" rtl="0" algn="l">
-              <a:spcBef>
-                <a:spcPts val="0"/>
-              </a:spcBef>
-              <a:spcAft>
-                <a:spcPts val="0"/>
-              </a:spcAft>
-              <a:buClr>
-                <a:schemeClr val="dk1"/>
-              </a:buClr>
-              <a:buSzPts val="1100"/>
-              <a:buFont typeface="Arial"/>
-              <a:buNone/>
-            </a:pPr>
-            <a:r>
-              <a:rPr lang="en"/>
-              <a:t>git commit -am</a:t>
-            </a:r>
-            <a:endParaRPr/>
-          </a:p>
-          <a:p>
-            <a:pPr indent="0" lvl="0" marL="0" rtl="0" algn="l">
-              <a:spcBef>
-                <a:spcPts val="0"/>
-              </a:spcBef>
-              <a:spcAft>
-                <a:spcPts val="0"/>
-              </a:spcAft>
-              <a:buClr>
-                <a:schemeClr val="dk1"/>
-              </a:buClr>
-              <a:buSzPts val="1100"/>
-              <a:buFont typeface="Arial"/>
-              <a:buNone/>
-            </a:pPr>
-            <a:r>
-              <a:rPr lang="en"/>
-              <a:t>git reset HEAD^</a:t>
-            </a:r>
-            <a:endParaRPr/>
-          </a:p>
-          <a:p>
-            <a:pPr indent="0" lvl="0" marL="0" rtl="0" algn="l">
-              <a:spcBef>
-                <a:spcPts val="0"/>
-              </a:spcBef>
-              <a:spcAft>
-                <a:spcPts val="0"/>
-              </a:spcAft>
-              <a:buNone/>
-            </a:pPr>
-            <a:r>
-              <a:rPr lang="en"/>
-              <a:t>git commit --amend</a:t>
-            </a:r>
-            <a:endParaRPr/>
           </a:p>
         </p:txBody>
       </p:sp>
@@ -9613,7 +9917,7 @@
   <p:cSld>
     <p:spTree>
       <p:nvGrpSpPr>
-        <p:cNvPr id="62" name="Shape 62"/>
+        <p:cNvPr id="63" name="Shape 63"/>
         <p:cNvGrpSpPr/>
         <p:nvPr/>
       </p:nvGrpSpPr>
@@ -9627,13 +9931,13 @@
       </p:grpSpPr>
       <p:sp>
         <p:nvSpPr>
-          <p:cNvPr id="63" name="Google Shape;63;p2"/>
+          <p:cNvPr id="64" name="Google Shape;64;p2"/>
           <p:cNvSpPr/>
           <p:nvPr/>
         </p:nvSpPr>
         <p:spPr>
           <a:xfrm>
-            <a:off x="2852450" y="914400"/>
+            <a:off x="934564" y="914400"/>
             <a:ext cx="183000" cy="182100"/>
           </a:xfrm>
           <a:prstGeom prst="ellipse">
@@ -9692,13 +9996,13 @@
       </p:sp>
       <p:sp>
         <p:nvSpPr>
-          <p:cNvPr id="64" name="Google Shape;64;p2"/>
+          <p:cNvPr id="65" name="Google Shape;65;p2"/>
           <p:cNvSpPr/>
           <p:nvPr/>
         </p:nvSpPr>
         <p:spPr>
           <a:xfrm>
-            <a:off x="2852450" y="1371600"/>
+            <a:off x="934564" y="1371600"/>
             <a:ext cx="183000" cy="182100"/>
           </a:xfrm>
           <a:prstGeom prst="ellipse">
@@ -9757,16 +10061,16 @@
       </p:sp>
       <p:cxnSp>
         <p:nvCxnSpPr>
-          <p:cNvPr id="65" name="Google Shape;65;p2"/>
+          <p:cNvPr id="66" name="Google Shape;66;p2"/>
           <p:cNvCxnSpPr>
-            <a:stCxn id="63" idx="4"/>
-            <a:endCxn id="64" idx="0"/>
+            <a:stCxn id="64" idx="4"/>
+            <a:endCxn id="65" idx="0"/>
           </p:cNvCxnSpPr>
           <p:nvPr/>
         </p:nvCxnSpPr>
         <p:spPr>
           <a:xfrm>
-            <a:off x="2943950" y="1096500"/>
+            <a:off x="1026064" y="1096500"/>
             <a:ext cx="0" cy="275100"/>
           </a:xfrm>
           <a:prstGeom prst="straightConnector1">
@@ -9786,13 +10090,13 @@
       </p:cxnSp>
       <p:sp>
         <p:nvSpPr>
-          <p:cNvPr id="66" name="Google Shape;66;p2"/>
+          <p:cNvPr id="67" name="Google Shape;67;p2"/>
           <p:cNvSpPr txBox="1"/>
           <p:nvPr/>
         </p:nvSpPr>
         <p:spPr>
           <a:xfrm>
-            <a:off x="3111500" y="868350"/>
+            <a:off x="1193614" y="868350"/>
             <a:ext cx="1097400" cy="274200"/>
           </a:xfrm>
           <a:prstGeom prst="rect">
@@ -9852,13 +10156,13 @@
       </p:sp>
       <p:sp>
         <p:nvSpPr>
-          <p:cNvPr id="67" name="Google Shape;67;p2"/>
+          <p:cNvPr id="68" name="Google Shape;68;p2"/>
           <p:cNvSpPr txBox="1"/>
           <p:nvPr/>
         </p:nvSpPr>
         <p:spPr>
           <a:xfrm>
-            <a:off x="3111500" y="1325550"/>
+            <a:off x="1193614" y="1325550"/>
             <a:ext cx="1097400" cy="274200"/>
           </a:xfrm>
           <a:prstGeom prst="rect">
@@ -9918,13 +10222,13 @@
       </p:sp>
       <p:sp>
         <p:nvSpPr>
-          <p:cNvPr id="68" name="Google Shape;68;p2"/>
+          <p:cNvPr id="69" name="Google Shape;69;p2"/>
           <p:cNvSpPr txBox="1"/>
           <p:nvPr/>
         </p:nvSpPr>
         <p:spPr>
           <a:xfrm>
-            <a:off x="2201350" y="1371600"/>
+            <a:off x="283464" y="1371600"/>
             <a:ext cx="479700" cy="182100"/>
           </a:xfrm>
           <a:prstGeom prst="rect">
@@ -9961,32 +10265,24 @@
               <a:buNone/>
             </a:pPr>
             <a:r>
-              <a:rPr b="0" i="0" lang="en" sz="900" u="none" cap="none" strike="noStrike">
+              <a:rPr b="1" i="0" lang="en" sz="900" u="none" cap="none" strike="noStrike">
                 <a:solidFill>
                   <a:srgbClr val="000000"/>
                 </a:solidFill>
-                <a:latin typeface="Arial"/>
-                <a:ea typeface="Arial"/>
-                <a:cs typeface="Arial"/>
-                <a:sym typeface="Arial"/>
               </a:rPr>
               <a:t>master</a:t>
             </a:r>
-            <a:endParaRPr b="0" i="0" sz="900" u="none" cap="none" strike="noStrike">
+            <a:endParaRPr b="1" i="0" sz="900" u="none" cap="none" strike="noStrike">
               <a:solidFill>
                 <a:srgbClr val="000000"/>
               </a:solidFill>
-              <a:latin typeface="Arial"/>
-              <a:ea typeface="Arial"/>
-              <a:cs typeface="Arial"/>
-              <a:sym typeface="Arial"/>
             </a:endParaRPr>
           </a:p>
         </p:txBody>
       </p:sp>
       <p:sp>
         <p:nvSpPr>
-          <p:cNvPr id="69" name="Google Shape;69;p2"/>
+          <p:cNvPr id="70" name="Google Shape;70;p2"/>
           <p:cNvSpPr txBox="1"/>
           <p:nvPr/>
         </p:nvSpPr>
@@ -10029,6 +10325,14 @@
               <a:buNone/>
             </a:pPr>
             <a:r>
+              <a:rPr lang="en" sz="1600">
+                <a:solidFill>
+                  <a:schemeClr val="dk1"/>
+                </a:solidFill>
+              </a:rPr>
+              <a:t>1. Opdracht </a:t>
+            </a:r>
+            <a:r>
               <a:rPr b="0" i="0" lang="en" sz="1400" u="none" cap="none" strike="noStrike">
                 <a:solidFill>
                   <a:srgbClr val="000000"/>
@@ -10054,14 +10358,14 @@
       </p:sp>
       <p:sp>
         <p:nvSpPr>
-          <p:cNvPr id="70" name="Google Shape;70;p2"/>
+          <p:cNvPr id="71" name="Google Shape;71;p2"/>
           <p:cNvSpPr txBox="1"/>
           <p:nvPr/>
         </p:nvSpPr>
         <p:spPr>
           <a:xfrm>
-            <a:off x="6615075" y="868350"/>
-            <a:ext cx="1875000" cy="2515200"/>
+            <a:off x="275925" y="2571750"/>
+            <a:ext cx="1875000" cy="2253300"/>
           </a:xfrm>
           <a:prstGeom prst="rect">
             <a:avLst/>
@@ -10085,84 +10389,244 @@
           </a:bodyPr>
           <a:lstStyle/>
           <a:p>
-            <a:pPr indent="0" lvl="0" marL="0" rtl="0" algn="l">
-              <a:spcBef>
-                <a:spcPts val="0"/>
-              </a:spcBef>
-              <a:spcAft>
-                <a:spcPts val="0"/>
-              </a:spcAft>
+            <a:pPr indent="0" lvl="0" marL="0" marR="0" rtl="0" algn="l">
+              <a:lnSpc>
+                <a:spcPct val="100000"/>
+              </a:lnSpc>
+              <a:spcBef>
+                <a:spcPts val="0"/>
+              </a:spcBef>
+              <a:spcAft>
+                <a:spcPts val="0"/>
+              </a:spcAft>
+              <a:buClr>
+                <a:schemeClr val="dk1"/>
+              </a:buClr>
+              <a:buSzPts val="1100"/>
+              <a:buFont typeface="Arial"/>
               <a:buNone/>
             </a:pPr>
             <a:r>
-              <a:rPr lang="en"/>
+              <a:rPr b="0" i="0" lang="en" sz="1400" u="none" cap="none" strike="noStrike">
+                <a:solidFill>
+                  <a:srgbClr val="000000"/>
+                </a:solidFill>
+                <a:latin typeface="Arial"/>
+                <a:ea typeface="Arial"/>
+                <a:cs typeface="Arial"/>
+                <a:sym typeface="Arial"/>
+              </a:rPr>
               <a:t>git init</a:t>
             </a:r>
-            <a:endParaRPr/>
-          </a:p>
-          <a:p>
-            <a:pPr indent="0" lvl="0" marL="0" rtl="0" algn="l">
-              <a:spcBef>
-                <a:spcPts val="0"/>
-              </a:spcBef>
-              <a:spcAft>
-                <a:spcPts val="0"/>
-              </a:spcAft>
+            <a:endParaRPr b="0" i="0" sz="1400" u="none" cap="none" strike="noStrike">
+              <a:solidFill>
+                <a:srgbClr val="000000"/>
+              </a:solidFill>
+              <a:latin typeface="Arial"/>
+              <a:ea typeface="Arial"/>
+              <a:cs typeface="Arial"/>
+              <a:sym typeface="Arial"/>
+            </a:endParaRPr>
+          </a:p>
+          <a:p>
+            <a:pPr indent="0" lvl="0" marL="0" marR="0" rtl="0" algn="l">
+              <a:lnSpc>
+                <a:spcPct val="100000"/>
+              </a:lnSpc>
+              <a:spcBef>
+                <a:spcPts val="0"/>
+              </a:spcBef>
+              <a:spcAft>
+                <a:spcPts val="0"/>
+              </a:spcAft>
+              <a:buClr>
+                <a:schemeClr val="dk1"/>
+              </a:buClr>
+              <a:buSzPts val="1100"/>
+              <a:buFont typeface="Arial"/>
               <a:buNone/>
             </a:pPr>
             <a:r>
-              <a:rPr lang="en"/>
+              <a:rPr b="0" i="0" lang="en" sz="1400" u="none" cap="none" strike="noStrike">
+                <a:solidFill>
+                  <a:srgbClr val="000000"/>
+                </a:solidFill>
+                <a:latin typeface="Arial"/>
+                <a:ea typeface="Arial"/>
+                <a:cs typeface="Arial"/>
+                <a:sym typeface="Arial"/>
+              </a:rPr>
               <a:t>git status</a:t>
             </a:r>
-            <a:endParaRPr/>
-          </a:p>
-          <a:p>
-            <a:pPr indent="0" lvl="0" marL="0" rtl="0" algn="l">
-              <a:spcBef>
-                <a:spcPts val="0"/>
-              </a:spcBef>
-              <a:spcAft>
-                <a:spcPts val="0"/>
-              </a:spcAft>
+            <a:endParaRPr b="0" i="0" sz="1400" u="none" cap="none" strike="noStrike">
+              <a:solidFill>
+                <a:srgbClr val="000000"/>
+              </a:solidFill>
+              <a:latin typeface="Arial"/>
+              <a:ea typeface="Arial"/>
+              <a:cs typeface="Arial"/>
+              <a:sym typeface="Arial"/>
+            </a:endParaRPr>
+          </a:p>
+          <a:p>
+            <a:pPr indent="0" lvl="0" marL="0" marR="0" rtl="0" algn="l">
+              <a:lnSpc>
+                <a:spcPct val="100000"/>
+              </a:lnSpc>
+              <a:spcBef>
+                <a:spcPts val="0"/>
+              </a:spcBef>
+              <a:spcAft>
+                <a:spcPts val="0"/>
+              </a:spcAft>
+              <a:buClr>
+                <a:schemeClr val="dk1"/>
+              </a:buClr>
+              <a:buSzPts val="1100"/>
+              <a:buFont typeface="Arial"/>
               <a:buNone/>
             </a:pPr>
             <a:r>
-              <a:rPr lang="en"/>
+              <a:rPr b="0" i="0" lang="en" sz="1400" u="none" cap="none" strike="noStrike">
+                <a:solidFill>
+                  <a:srgbClr val="000000"/>
+                </a:solidFill>
+                <a:latin typeface="Arial"/>
+                <a:ea typeface="Arial"/>
+                <a:cs typeface="Arial"/>
+                <a:sym typeface="Arial"/>
+              </a:rPr>
               <a:t>git add</a:t>
             </a:r>
-            <a:endParaRPr/>
-          </a:p>
-          <a:p>
-            <a:pPr indent="0" lvl="0" marL="0" rtl="0" algn="l">
-              <a:spcBef>
-                <a:spcPts val="0"/>
-              </a:spcBef>
-              <a:spcAft>
-                <a:spcPts val="0"/>
-              </a:spcAft>
+            <a:endParaRPr b="0" i="0" sz="1400" u="none" cap="none" strike="noStrike">
+              <a:solidFill>
+                <a:srgbClr val="000000"/>
+              </a:solidFill>
+              <a:latin typeface="Arial"/>
+              <a:ea typeface="Arial"/>
+              <a:cs typeface="Arial"/>
+              <a:sym typeface="Arial"/>
+            </a:endParaRPr>
+          </a:p>
+          <a:p>
+            <a:pPr indent="0" lvl="0" marL="0" marR="0" rtl="0" algn="l">
+              <a:lnSpc>
+                <a:spcPct val="100000"/>
+              </a:lnSpc>
+              <a:spcBef>
+                <a:spcPts val="0"/>
+              </a:spcBef>
+              <a:spcAft>
+                <a:spcPts val="0"/>
+              </a:spcAft>
+              <a:buClr>
+                <a:schemeClr val="dk1"/>
+              </a:buClr>
+              <a:buSzPts val="1100"/>
+              <a:buFont typeface="Arial"/>
               <a:buNone/>
             </a:pPr>
             <a:r>
-              <a:rPr lang="en"/>
+              <a:rPr b="0" i="0" lang="en" sz="1400" u="none" cap="none" strike="noStrike">
+                <a:solidFill>
+                  <a:srgbClr val="000000"/>
+                </a:solidFill>
+                <a:latin typeface="Arial"/>
+                <a:ea typeface="Arial"/>
+                <a:cs typeface="Arial"/>
+                <a:sym typeface="Arial"/>
+              </a:rPr>
               <a:t>git diff --color-words</a:t>
             </a:r>
-            <a:endParaRPr/>
-          </a:p>
-          <a:p>
-            <a:pPr indent="0" lvl="0" marL="0" rtl="0" algn="l">
-              <a:spcBef>
-                <a:spcPts val="0"/>
-              </a:spcBef>
-              <a:spcAft>
-                <a:spcPts val="0"/>
-              </a:spcAft>
+            <a:endParaRPr b="0" i="0" sz="1400" u="none" cap="none" strike="noStrike">
+              <a:solidFill>
+                <a:srgbClr val="000000"/>
+              </a:solidFill>
+              <a:latin typeface="Arial"/>
+              <a:ea typeface="Arial"/>
+              <a:cs typeface="Arial"/>
+              <a:sym typeface="Arial"/>
+            </a:endParaRPr>
+          </a:p>
+          <a:p>
+            <a:pPr indent="0" lvl="0" marL="0" marR="0" rtl="0" algn="l">
+              <a:lnSpc>
+                <a:spcPct val="100000"/>
+              </a:lnSpc>
+              <a:spcBef>
+                <a:spcPts val="0"/>
+              </a:spcBef>
+              <a:spcAft>
+                <a:spcPts val="0"/>
+              </a:spcAft>
+              <a:buClr>
+                <a:schemeClr val="dk1"/>
+              </a:buClr>
+              <a:buSzPts val="1100"/>
+              <a:buFont typeface="Arial"/>
               <a:buNone/>
             </a:pPr>
             <a:r>
-              <a:rPr lang="en"/>
+              <a:rPr b="0" i="0" lang="en" sz="1400" u="none" cap="none" strike="noStrike">
+                <a:solidFill>
+                  <a:srgbClr val="000000"/>
+                </a:solidFill>
+                <a:latin typeface="Arial"/>
+                <a:ea typeface="Arial"/>
+                <a:cs typeface="Arial"/>
+                <a:sym typeface="Arial"/>
+              </a:rPr>
               <a:t>git diff --help</a:t>
             </a:r>
-            <a:endParaRPr/>
+            <a:endParaRPr b="0" i="0" sz="1400" u="none" cap="none" strike="noStrike">
+              <a:solidFill>
+                <a:srgbClr val="000000"/>
+              </a:solidFill>
+              <a:latin typeface="Arial"/>
+              <a:ea typeface="Arial"/>
+              <a:cs typeface="Arial"/>
+              <a:sym typeface="Arial"/>
+            </a:endParaRPr>
+          </a:p>
+          <a:p>
+            <a:pPr indent="0" lvl="0" marL="0" marR="0" rtl="0" algn="l">
+              <a:lnSpc>
+                <a:spcPct val="100000"/>
+              </a:lnSpc>
+              <a:spcBef>
+                <a:spcPts val="0"/>
+              </a:spcBef>
+              <a:spcAft>
+                <a:spcPts val="0"/>
+              </a:spcAft>
+              <a:buClr>
+                <a:schemeClr val="dk1"/>
+              </a:buClr>
+              <a:buSzPts val="1100"/>
+              <a:buFont typeface="Arial"/>
+              <a:buNone/>
+            </a:pPr>
+            <a:r>
+              <a:rPr b="0" i="0" lang="en" sz="1400" u="none" cap="none" strike="noStrike">
+                <a:solidFill>
+                  <a:srgbClr val="000000"/>
+                </a:solidFill>
+                <a:latin typeface="Arial"/>
+                <a:ea typeface="Arial"/>
+                <a:cs typeface="Arial"/>
+                <a:sym typeface="Arial"/>
+              </a:rPr>
+              <a:t>git commit</a:t>
+            </a:r>
+            <a:endParaRPr b="0" i="0" sz="1400" u="none" cap="none" strike="noStrike">
+              <a:solidFill>
+                <a:srgbClr val="000000"/>
+              </a:solidFill>
+              <a:latin typeface="Arial"/>
+              <a:ea typeface="Arial"/>
+              <a:cs typeface="Arial"/>
+              <a:sym typeface="Arial"/>
+            </a:endParaRPr>
           </a:p>
           <a:p>
             <a:pPr indent="0" lvl="0" marL="0" rtl="0" algn="l">
@@ -10172,13 +10636,26 @@
               <a:spcAft>
                 <a:spcPts val="0"/>
               </a:spcAft>
+              <a:buClr>
+                <a:schemeClr val="dk1"/>
+              </a:buClr>
+              <a:buSzPts val="1100"/>
+              <a:buFont typeface="Arial"/>
               <a:buNone/>
             </a:pPr>
             <a:r>
-              <a:rPr lang="en"/>
+              <a:rPr lang="en">
+                <a:solidFill>
+                  <a:schemeClr val="dk1"/>
+                </a:solidFill>
+              </a:rPr>
               <a:t>git commit -m</a:t>
             </a:r>
-            <a:endParaRPr/>
+            <a:endParaRPr>
+              <a:solidFill>
+                <a:schemeClr val="dk1"/>
+              </a:solidFill>
+            </a:endParaRPr>
           </a:p>
           <a:p>
             <a:pPr indent="0" lvl="0" marL="0" rtl="0" algn="l">
@@ -10188,13 +10665,26 @@
               <a:spcAft>
                 <a:spcPts val="0"/>
               </a:spcAft>
+              <a:buClr>
+                <a:schemeClr val="dk1"/>
+              </a:buClr>
+              <a:buSzPts val="1100"/>
+              <a:buFont typeface="Arial"/>
               <a:buNone/>
             </a:pPr>
             <a:r>
-              <a:rPr lang="en"/>
-              <a:t>git commit</a:t>
+              <a:rPr lang="en">
+                <a:solidFill>
+                  <a:schemeClr val="dk1"/>
+                </a:solidFill>
+              </a:rPr>
+              <a:t>git commit -am</a:t>
             </a:r>
-            <a:endParaRPr/>
+            <a:endParaRPr>
+              <a:solidFill>
+                <a:schemeClr val="dk1"/>
+              </a:solidFill>
+            </a:endParaRPr>
           </a:p>
           <a:p>
             <a:pPr indent="0" lvl="0" marL="0" rtl="0" algn="l">
@@ -10204,61 +10694,347 @@
               <a:spcAft>
                 <a:spcPts val="0"/>
               </a:spcAft>
+              <a:buClr>
+                <a:schemeClr val="dk1"/>
+              </a:buClr>
+              <a:buSzPts val="1100"/>
+              <a:buFont typeface="Arial"/>
               <a:buNone/>
             </a:pPr>
             <a:r>
-              <a:rPr lang="en"/>
+              <a:rPr lang="en">
+                <a:solidFill>
+                  <a:schemeClr val="dk1"/>
+                </a:solidFill>
+              </a:rPr>
               <a:t>git log</a:t>
             </a:r>
-            <a:endParaRPr/>
-          </a:p>
-          <a:p>
-            <a:pPr indent="0" lvl="0" marL="0" rtl="0" algn="l">
-              <a:spcBef>
-                <a:spcPts val="0"/>
-              </a:spcBef>
-              <a:spcAft>
-                <a:spcPts val="0"/>
-              </a:spcAft>
+            <a:endParaRPr>
+              <a:solidFill>
+                <a:schemeClr val="dk1"/>
+              </a:solidFill>
+            </a:endParaRPr>
+          </a:p>
+          <a:p>
+            <a:pPr indent="0" lvl="0" marL="0" marR="0" rtl="0" algn="l">
+              <a:lnSpc>
+                <a:spcPct val="100000"/>
+              </a:lnSpc>
+              <a:spcBef>
+                <a:spcPts val="0"/>
+              </a:spcBef>
+              <a:spcAft>
+                <a:spcPts val="0"/>
+              </a:spcAft>
+              <a:buClr>
+                <a:srgbClr val="000000"/>
+              </a:buClr>
+              <a:buSzPts val="1400"/>
+              <a:buFont typeface="Arial"/>
               <a:buNone/>
             </a:pPr>
             <a:r>
-              <a:rPr lang="en"/>
-              <a:t>git commit -am</a:t>
-            </a:r>
-            <a:endParaRPr/>
-          </a:p>
-          <a:p>
-            <a:pPr indent="0" lvl="0" marL="0" rtl="0" algn="l">
-              <a:spcBef>
-                <a:spcPts val="0"/>
-              </a:spcBef>
-              <a:spcAft>
-                <a:spcPts val="0"/>
-              </a:spcAft>
-              <a:buNone/>
-            </a:pPr>
-            <a:r>
-              <a:rPr lang="en"/>
-              <a:t>git reset HEAD^</a:t>
-            </a:r>
-            <a:endParaRPr/>
-          </a:p>
-          <a:p>
-            <a:pPr indent="0" lvl="0" marL="0" rtl="0" algn="l">
-              <a:spcBef>
-                <a:spcPts val="0"/>
-              </a:spcBef>
-              <a:spcAft>
-                <a:spcPts val="0"/>
-              </a:spcAft>
-              <a:buNone/>
-            </a:pPr>
-            <a:r>
-              <a:rPr lang="en"/>
+              <a:rPr b="0" i="0" lang="en" sz="1400" u="none" cap="none" strike="noStrike">
+                <a:solidFill>
+                  <a:srgbClr val="000000"/>
+                </a:solidFill>
+                <a:latin typeface="Arial"/>
+                <a:ea typeface="Arial"/>
+                <a:cs typeface="Arial"/>
+                <a:sym typeface="Arial"/>
+              </a:rPr>
               <a:t>git commit --amend</a:t>
             </a:r>
-            <a:endParaRPr/>
+            <a:endParaRPr b="0" i="0" sz="1400" u="none" cap="none" strike="noStrike">
+              <a:solidFill>
+                <a:srgbClr val="000000"/>
+              </a:solidFill>
+              <a:latin typeface="Arial"/>
+              <a:ea typeface="Arial"/>
+              <a:cs typeface="Arial"/>
+              <a:sym typeface="Arial"/>
+            </a:endParaRPr>
+          </a:p>
+        </p:txBody>
+      </p:sp>
+      <p:sp>
+        <p:nvSpPr>
+          <p:cNvPr id="72" name="Google Shape;72;p2"/>
+          <p:cNvSpPr txBox="1"/>
+          <p:nvPr/>
+        </p:nvSpPr>
+        <p:spPr>
+          <a:xfrm>
+            <a:off x="2709700" y="742875"/>
+            <a:ext cx="6434100" cy="3905400"/>
+          </a:xfrm>
+          <a:prstGeom prst="rect">
+            <a:avLst/>
+          </a:prstGeom>
+          <a:noFill/>
+          <a:ln>
+            <a:noFill/>
+          </a:ln>
+        </p:spPr>
+        <p:txBody>
+          <a:bodyPr anchorCtr="0" anchor="t" bIns="91425" lIns="91425" spcFirstLastPara="1" rIns="91425" wrap="square" tIns="91425">
+            <a:noAutofit/>
+          </a:bodyPr>
+          <a:lstStyle/>
+          <a:p>
+            <a:pPr indent="-330200" lvl="0" marL="457200" rtl="0" algn="l">
+              <a:spcBef>
+                <a:spcPts val="0"/>
+              </a:spcBef>
+              <a:spcAft>
+                <a:spcPts val="0"/>
+              </a:spcAft>
+              <a:buSzPts val="1600"/>
+              <a:buChar char="●"/>
+            </a:pPr>
+            <a:r>
+              <a:rPr lang="en" sz="1600"/>
+              <a:t>maak lokale repository</a:t>
+            </a:r>
+            <a:endParaRPr sz="1600"/>
+          </a:p>
+          <a:p>
+            <a:pPr indent="-330200" lvl="0" marL="457200" rtl="0" algn="l">
+              <a:spcBef>
+                <a:spcPts val="0"/>
+              </a:spcBef>
+              <a:spcAft>
+                <a:spcPts val="0"/>
+              </a:spcAft>
+              <a:buSzPts val="1600"/>
+              <a:buChar char="●"/>
+            </a:pPr>
+            <a:r>
+              <a:rPr lang="en" sz="1600"/>
+              <a:t>vraag regelmatig status op</a:t>
+            </a:r>
+            <a:endParaRPr sz="1600"/>
+          </a:p>
+          <a:p>
+            <a:pPr indent="-330200" lvl="0" marL="457200" rtl="0" algn="l">
+              <a:spcBef>
+                <a:spcPts val="0"/>
+              </a:spcBef>
+              <a:spcAft>
+                <a:spcPts val="0"/>
+              </a:spcAft>
+              <a:buSzPts val="1600"/>
+              <a:buChar char="●"/>
+            </a:pPr>
+            <a:r>
+              <a:rPr lang="en" sz="1600"/>
+              <a:t>lees de complete status tekst</a:t>
+            </a:r>
+            <a:endParaRPr sz="1600"/>
+          </a:p>
+          <a:p>
+            <a:pPr indent="-330200" lvl="0" marL="457200" rtl="0" algn="l">
+              <a:spcBef>
+                <a:spcPts val="0"/>
+              </a:spcBef>
+              <a:spcAft>
+                <a:spcPts val="0"/>
+              </a:spcAft>
+              <a:buSzPts val="1600"/>
+              <a:buChar char="●"/>
+            </a:pPr>
+            <a:r>
+              <a:rPr lang="en" sz="1600"/>
+              <a:t>maak bestanden</a:t>
+            </a:r>
+            <a:endParaRPr sz="1600"/>
+          </a:p>
+          <a:p>
+            <a:pPr indent="-330200" lvl="0" marL="457200" rtl="0" algn="l">
+              <a:spcBef>
+                <a:spcPts val="0"/>
+              </a:spcBef>
+              <a:spcAft>
+                <a:spcPts val="0"/>
+              </a:spcAft>
+              <a:buSzPts val="1600"/>
+              <a:buChar char="●"/>
+            </a:pPr>
+            <a:r>
+              <a:rPr lang="en" sz="1600"/>
+              <a:t>maak ze bekend bij Git</a:t>
+            </a:r>
+            <a:endParaRPr sz="1600"/>
+          </a:p>
+          <a:p>
+            <a:pPr indent="-330200" lvl="0" marL="457200" rtl="0" algn="l">
+              <a:spcBef>
+                <a:spcPts val="0"/>
+              </a:spcBef>
+              <a:spcAft>
+                <a:spcPts val="0"/>
+              </a:spcAft>
+              <a:buSzPts val="1600"/>
+              <a:buChar char="●"/>
+            </a:pPr>
+            <a:r>
+              <a:rPr lang="en" sz="1600"/>
+              <a:t>stage bestanden</a:t>
+            </a:r>
+            <a:endParaRPr sz="1600"/>
+          </a:p>
+          <a:p>
+            <a:pPr indent="-330200" lvl="0" marL="457200" rtl="0" algn="l">
+              <a:spcBef>
+                <a:spcPts val="0"/>
+              </a:spcBef>
+              <a:spcAft>
+                <a:spcPts val="0"/>
+              </a:spcAft>
+              <a:buSzPts val="1600"/>
+              <a:buChar char="●"/>
+            </a:pPr>
+            <a:r>
+              <a:rPr lang="en" sz="1600"/>
+              <a:t>unstage bestanden</a:t>
+            </a:r>
+            <a:endParaRPr sz="1600"/>
+          </a:p>
+          <a:p>
+            <a:pPr indent="-330200" lvl="0" marL="457200" rtl="0" algn="l">
+              <a:spcBef>
+                <a:spcPts val="0"/>
+              </a:spcBef>
+              <a:spcAft>
+                <a:spcPts val="0"/>
+              </a:spcAft>
+              <a:buSzPts val="1600"/>
+              <a:buChar char="●"/>
+            </a:pPr>
+            <a:r>
+              <a:rPr lang="en" sz="1600"/>
+              <a:t>commit bestanden</a:t>
+            </a:r>
+            <a:endParaRPr sz="1600"/>
+          </a:p>
+          <a:p>
+            <a:pPr indent="-330200" lvl="0" marL="457200" rtl="0" algn="l">
+              <a:spcBef>
+                <a:spcPts val="0"/>
+              </a:spcBef>
+              <a:spcAft>
+                <a:spcPts val="0"/>
+              </a:spcAft>
+              <a:buSzPts val="1600"/>
+              <a:buChar char="●"/>
+            </a:pPr>
+            <a:r>
+              <a:rPr lang="en" sz="1600"/>
+              <a:t>vraag log op</a:t>
+            </a:r>
+            <a:endParaRPr sz="1600"/>
+          </a:p>
+          <a:p>
+            <a:pPr indent="-330200" lvl="0" marL="457200" rtl="0" algn="l">
+              <a:spcBef>
+                <a:spcPts val="0"/>
+              </a:spcBef>
+              <a:spcAft>
+                <a:spcPts val="0"/>
+              </a:spcAft>
+              <a:buSzPts val="1600"/>
+              <a:buChar char="●"/>
+            </a:pPr>
+            <a:r>
+              <a:rPr lang="en" sz="1600"/>
+              <a:t>wijzig bestanden</a:t>
+            </a:r>
+            <a:endParaRPr sz="1600"/>
+          </a:p>
+          <a:p>
+            <a:pPr indent="-330200" lvl="0" marL="457200" rtl="0" algn="l">
+              <a:spcBef>
+                <a:spcPts val="0"/>
+              </a:spcBef>
+              <a:spcAft>
+                <a:spcPts val="0"/>
+              </a:spcAft>
+              <a:buSzPts val="1600"/>
+              <a:buChar char="●"/>
+            </a:pPr>
+            <a:r>
+              <a:rPr lang="en" sz="1600"/>
+              <a:t>vraag wijzigingen op</a:t>
+            </a:r>
+            <a:endParaRPr sz="1600"/>
+          </a:p>
+          <a:p>
+            <a:pPr indent="-330200" lvl="0" marL="457200" rtl="0" algn="l">
+              <a:spcBef>
+                <a:spcPts val="0"/>
+              </a:spcBef>
+              <a:spcAft>
+                <a:spcPts val="0"/>
+              </a:spcAft>
+              <a:buSzPts val="1600"/>
+              <a:buChar char="●"/>
+            </a:pPr>
+            <a:r>
+              <a:rPr lang="en" sz="1600"/>
+              <a:t>maak meerdere bestanden</a:t>
+            </a:r>
+            <a:endParaRPr sz="1600"/>
+          </a:p>
+          <a:p>
+            <a:pPr indent="-330200" lvl="0" marL="457200" rtl="0" algn="l">
+              <a:spcBef>
+                <a:spcPts val="0"/>
+              </a:spcBef>
+              <a:spcAft>
+                <a:spcPts val="0"/>
+              </a:spcAft>
+              <a:buSzPts val="1600"/>
+              <a:buChar char="●"/>
+            </a:pPr>
+            <a:r>
+              <a:rPr lang="en" sz="1600"/>
+              <a:t>stage slechts één daarvan en commit(atomic commit)</a:t>
+            </a:r>
+            <a:endParaRPr sz="1600"/>
+          </a:p>
+          <a:p>
+            <a:pPr indent="-330200" lvl="0" marL="457200" rtl="0" algn="l">
+              <a:spcBef>
+                <a:spcPts val="0"/>
+              </a:spcBef>
+              <a:spcAft>
+                <a:spcPts val="0"/>
+              </a:spcAft>
+              <a:buSzPts val="1600"/>
+              <a:buChar char="●"/>
+            </a:pPr>
+            <a:r>
+              <a:rPr lang="en" sz="1600"/>
+              <a:t>wijzig een commit-tekst</a:t>
+            </a:r>
+            <a:endParaRPr sz="1600"/>
+          </a:p>
+          <a:p>
+            <a:pPr indent="-330200" lvl="0" marL="457200" rtl="0" algn="l">
+              <a:spcBef>
+                <a:spcPts val="0"/>
+              </a:spcBef>
+              <a:spcAft>
+                <a:spcPts val="0"/>
+              </a:spcAft>
+              <a:buSzPts val="1600"/>
+              <a:buChar char="●"/>
+            </a:pPr>
+            <a:r>
+              <a:rPr lang="en" sz="1600"/>
+              <a:t>bij reeds bekende bestanden gebruik de -am optie van commit</a:t>
+            </a:r>
+            <a:endParaRPr sz="1600"/>
           </a:p>
         </p:txBody>
       </p:sp>
@@ -10275,7 +11051,7 @@
   <p:cSld>
     <p:spTree>
       <p:nvGrpSpPr>
-        <p:cNvPr id="74" name="Shape 74"/>
+        <p:cNvPr id="76" name="Shape 76"/>
         <p:cNvGrpSpPr/>
         <p:nvPr/>
       </p:nvGrpSpPr>
@@ -10289,13 +11065,13 @@
       </p:grpSpPr>
       <p:sp>
         <p:nvSpPr>
-          <p:cNvPr id="75" name="Google Shape;75;p3"/>
+          <p:cNvPr id="77" name="Google Shape;77;p3"/>
           <p:cNvSpPr/>
           <p:nvPr/>
         </p:nvSpPr>
         <p:spPr>
           <a:xfrm>
-            <a:off x="2852450" y="914400"/>
+            <a:off x="934564" y="914400"/>
             <a:ext cx="183000" cy="182100"/>
           </a:xfrm>
           <a:prstGeom prst="ellipse">
@@ -10354,13 +11130,13 @@
       </p:sp>
       <p:sp>
         <p:nvSpPr>
-          <p:cNvPr id="76" name="Google Shape;76;p3"/>
+          <p:cNvPr id="78" name="Google Shape;78;p3"/>
           <p:cNvSpPr/>
           <p:nvPr/>
         </p:nvSpPr>
         <p:spPr>
           <a:xfrm>
-            <a:off x="2852450" y="1371600"/>
+            <a:off x="934564" y="1371600"/>
             <a:ext cx="183000" cy="182100"/>
           </a:xfrm>
           <a:prstGeom prst="ellipse">
@@ -10419,16 +11195,16 @@
       </p:sp>
       <p:cxnSp>
         <p:nvCxnSpPr>
-          <p:cNvPr id="77" name="Google Shape;77;p3"/>
+          <p:cNvPr id="79" name="Google Shape;79;p3"/>
           <p:cNvCxnSpPr>
-            <a:stCxn id="75" idx="4"/>
-            <a:endCxn id="76" idx="0"/>
+            <a:stCxn id="77" idx="4"/>
+            <a:endCxn id="78" idx="0"/>
           </p:cNvCxnSpPr>
           <p:nvPr/>
         </p:nvCxnSpPr>
         <p:spPr>
           <a:xfrm>
-            <a:off x="2943950" y="1096500"/>
+            <a:off x="1026064" y="1096500"/>
             <a:ext cx="0" cy="275100"/>
           </a:xfrm>
           <a:prstGeom prst="straightConnector1">
@@ -10448,13 +11224,13 @@
       </p:cxnSp>
       <p:sp>
         <p:nvSpPr>
-          <p:cNvPr id="78" name="Google Shape;78;p3"/>
+          <p:cNvPr id="80" name="Google Shape;80;p3"/>
           <p:cNvSpPr txBox="1"/>
           <p:nvPr/>
         </p:nvSpPr>
         <p:spPr>
           <a:xfrm>
-            <a:off x="3111500" y="868350"/>
+            <a:off x="1193614" y="868350"/>
             <a:ext cx="1097400" cy="274200"/>
           </a:xfrm>
           <a:prstGeom prst="rect">
@@ -10514,13 +11290,13 @@
       </p:sp>
       <p:sp>
         <p:nvSpPr>
-          <p:cNvPr id="79" name="Google Shape;79;p3"/>
+          <p:cNvPr id="81" name="Google Shape;81;p3"/>
           <p:cNvSpPr/>
           <p:nvPr/>
         </p:nvSpPr>
         <p:spPr>
           <a:xfrm>
-            <a:off x="2852450" y="1828800"/>
+            <a:off x="934564" y="1828800"/>
             <a:ext cx="183000" cy="182100"/>
           </a:xfrm>
           <a:prstGeom prst="ellipse">
@@ -10579,13 +11355,13 @@
       </p:sp>
       <p:sp>
         <p:nvSpPr>
-          <p:cNvPr id="80" name="Google Shape;80;p3"/>
+          <p:cNvPr id="82" name="Google Shape;82;p3"/>
           <p:cNvSpPr txBox="1"/>
           <p:nvPr/>
         </p:nvSpPr>
         <p:spPr>
           <a:xfrm>
-            <a:off x="3111500" y="1325550"/>
+            <a:off x="1193614" y="1325550"/>
             <a:ext cx="1097400" cy="274200"/>
           </a:xfrm>
           <a:prstGeom prst="rect">
@@ -10645,13 +11421,13 @@
       </p:sp>
       <p:sp>
         <p:nvSpPr>
-          <p:cNvPr id="81" name="Google Shape;81;p3"/>
+          <p:cNvPr id="83" name="Google Shape;83;p3"/>
           <p:cNvSpPr txBox="1"/>
           <p:nvPr/>
         </p:nvSpPr>
         <p:spPr>
           <a:xfrm>
-            <a:off x="3111500" y="1782750"/>
+            <a:off x="1193614" y="1782750"/>
             <a:ext cx="1097400" cy="274200"/>
           </a:xfrm>
           <a:prstGeom prst="rect">
@@ -10711,13 +11487,13 @@
       </p:sp>
       <p:sp>
         <p:nvSpPr>
-          <p:cNvPr id="82" name="Google Shape;82;p3"/>
+          <p:cNvPr id="84" name="Google Shape;84;p3"/>
           <p:cNvSpPr txBox="1"/>
           <p:nvPr/>
         </p:nvSpPr>
         <p:spPr>
           <a:xfrm>
-            <a:off x="2201350" y="1828800"/>
+            <a:off x="283464" y="1828800"/>
             <a:ext cx="479700" cy="182100"/>
           </a:xfrm>
           <a:prstGeom prst="rect">
@@ -10754,41 +11530,33 @@
               <a:buNone/>
             </a:pPr>
             <a:r>
-              <a:rPr b="0" i="0" lang="en" sz="900" u="none" cap="none" strike="noStrike">
+              <a:rPr b="1" i="0" lang="en" sz="900" u="none" cap="none" strike="noStrike">
                 <a:solidFill>
                   <a:srgbClr val="000000"/>
                 </a:solidFill>
-                <a:latin typeface="Arial"/>
-                <a:ea typeface="Arial"/>
-                <a:cs typeface="Arial"/>
-                <a:sym typeface="Arial"/>
               </a:rPr>
               <a:t>master</a:t>
             </a:r>
-            <a:endParaRPr b="0" i="0" sz="900" u="none" cap="none" strike="noStrike">
+            <a:endParaRPr b="1" i="0" sz="900" u="none" cap="none" strike="noStrike">
               <a:solidFill>
                 <a:srgbClr val="000000"/>
               </a:solidFill>
-              <a:latin typeface="Arial"/>
-              <a:ea typeface="Arial"/>
-              <a:cs typeface="Arial"/>
-              <a:sym typeface="Arial"/>
             </a:endParaRPr>
           </a:p>
         </p:txBody>
       </p:sp>
       <p:cxnSp>
         <p:nvCxnSpPr>
-          <p:cNvPr id="83" name="Google Shape;83;p3"/>
+          <p:cNvPr id="85" name="Google Shape;85;p3"/>
           <p:cNvCxnSpPr>
-            <a:stCxn id="76" idx="4"/>
-            <a:endCxn id="79" idx="0"/>
+            <a:stCxn id="78" idx="4"/>
+            <a:endCxn id="81" idx="0"/>
           </p:cNvCxnSpPr>
           <p:nvPr/>
         </p:nvCxnSpPr>
         <p:spPr>
           <a:xfrm>
-            <a:off x="2943950" y="1553700"/>
+            <a:off x="1026064" y="1553700"/>
             <a:ext cx="0" cy="275100"/>
           </a:xfrm>
           <a:prstGeom prst="straightConnector1">
@@ -10808,7 +11576,7 @@
       </p:cxnSp>
       <p:sp>
         <p:nvSpPr>
-          <p:cNvPr id="84" name="Google Shape;84;p3"/>
+          <p:cNvPr id="86" name="Google Shape;86;p3"/>
           <p:cNvSpPr txBox="1"/>
           <p:nvPr/>
         </p:nvSpPr>
@@ -10851,6 +11619,14 @@
               <a:buNone/>
             </a:pPr>
             <a:r>
+              <a:rPr lang="en" sz="1600">
+                <a:solidFill>
+                  <a:schemeClr val="dk1"/>
+                </a:solidFill>
+              </a:rPr>
+              <a:t>1. Opdracht </a:t>
+            </a:r>
+            <a:r>
               <a:rPr b="0" i="0" lang="en" sz="1400" u="none" cap="none" strike="noStrike">
                 <a:solidFill>
                   <a:srgbClr val="000000"/>
@@ -10876,14 +11652,14 @@
       </p:sp>
       <p:sp>
         <p:nvSpPr>
-          <p:cNvPr id="85" name="Google Shape;85;p3"/>
+          <p:cNvPr id="87" name="Google Shape;87;p3"/>
           <p:cNvSpPr txBox="1"/>
           <p:nvPr/>
         </p:nvSpPr>
         <p:spPr>
           <a:xfrm>
-            <a:off x="6615075" y="868350"/>
-            <a:ext cx="1875000" cy="2515200"/>
+            <a:off x="275925" y="2571750"/>
+            <a:ext cx="1875000" cy="2253300"/>
           </a:xfrm>
           <a:prstGeom prst="rect">
             <a:avLst/>
@@ -10907,84 +11683,244 @@
           </a:bodyPr>
           <a:lstStyle/>
           <a:p>
-            <a:pPr indent="0" lvl="0" marL="0" rtl="0" algn="l">
-              <a:spcBef>
-                <a:spcPts val="0"/>
-              </a:spcBef>
-              <a:spcAft>
-                <a:spcPts val="0"/>
-              </a:spcAft>
+            <a:pPr indent="0" lvl="0" marL="0" marR="0" rtl="0" algn="l">
+              <a:lnSpc>
+                <a:spcPct val="100000"/>
+              </a:lnSpc>
+              <a:spcBef>
+                <a:spcPts val="0"/>
+              </a:spcBef>
+              <a:spcAft>
+                <a:spcPts val="0"/>
+              </a:spcAft>
+              <a:buClr>
+                <a:schemeClr val="dk1"/>
+              </a:buClr>
+              <a:buSzPts val="1100"/>
+              <a:buFont typeface="Arial"/>
               <a:buNone/>
             </a:pPr>
             <a:r>
-              <a:rPr lang="en"/>
+              <a:rPr b="0" i="0" lang="en" sz="1400" u="none" cap="none" strike="noStrike">
+                <a:solidFill>
+                  <a:srgbClr val="000000"/>
+                </a:solidFill>
+                <a:latin typeface="Arial"/>
+                <a:ea typeface="Arial"/>
+                <a:cs typeface="Arial"/>
+                <a:sym typeface="Arial"/>
+              </a:rPr>
               <a:t>git init</a:t>
             </a:r>
-            <a:endParaRPr/>
-          </a:p>
-          <a:p>
-            <a:pPr indent="0" lvl="0" marL="0" rtl="0" algn="l">
-              <a:spcBef>
-                <a:spcPts val="0"/>
-              </a:spcBef>
-              <a:spcAft>
-                <a:spcPts val="0"/>
-              </a:spcAft>
+            <a:endParaRPr b="0" i="0" sz="1400" u="none" cap="none" strike="noStrike">
+              <a:solidFill>
+                <a:srgbClr val="000000"/>
+              </a:solidFill>
+              <a:latin typeface="Arial"/>
+              <a:ea typeface="Arial"/>
+              <a:cs typeface="Arial"/>
+              <a:sym typeface="Arial"/>
+            </a:endParaRPr>
+          </a:p>
+          <a:p>
+            <a:pPr indent="0" lvl="0" marL="0" marR="0" rtl="0" algn="l">
+              <a:lnSpc>
+                <a:spcPct val="100000"/>
+              </a:lnSpc>
+              <a:spcBef>
+                <a:spcPts val="0"/>
+              </a:spcBef>
+              <a:spcAft>
+                <a:spcPts val="0"/>
+              </a:spcAft>
+              <a:buClr>
+                <a:schemeClr val="dk1"/>
+              </a:buClr>
+              <a:buSzPts val="1100"/>
+              <a:buFont typeface="Arial"/>
               <a:buNone/>
             </a:pPr>
             <a:r>
-              <a:rPr lang="en"/>
+              <a:rPr b="0" i="0" lang="en" sz="1400" u="none" cap="none" strike="noStrike">
+                <a:solidFill>
+                  <a:srgbClr val="000000"/>
+                </a:solidFill>
+                <a:latin typeface="Arial"/>
+                <a:ea typeface="Arial"/>
+                <a:cs typeface="Arial"/>
+                <a:sym typeface="Arial"/>
+              </a:rPr>
               <a:t>git status</a:t>
             </a:r>
-            <a:endParaRPr/>
-          </a:p>
-          <a:p>
-            <a:pPr indent="0" lvl="0" marL="0" rtl="0" algn="l">
-              <a:spcBef>
-                <a:spcPts val="0"/>
-              </a:spcBef>
-              <a:spcAft>
-                <a:spcPts val="0"/>
-              </a:spcAft>
+            <a:endParaRPr b="0" i="0" sz="1400" u="none" cap="none" strike="noStrike">
+              <a:solidFill>
+                <a:srgbClr val="000000"/>
+              </a:solidFill>
+              <a:latin typeface="Arial"/>
+              <a:ea typeface="Arial"/>
+              <a:cs typeface="Arial"/>
+              <a:sym typeface="Arial"/>
+            </a:endParaRPr>
+          </a:p>
+          <a:p>
+            <a:pPr indent="0" lvl="0" marL="0" marR="0" rtl="0" algn="l">
+              <a:lnSpc>
+                <a:spcPct val="100000"/>
+              </a:lnSpc>
+              <a:spcBef>
+                <a:spcPts val="0"/>
+              </a:spcBef>
+              <a:spcAft>
+                <a:spcPts val="0"/>
+              </a:spcAft>
+              <a:buClr>
+                <a:schemeClr val="dk1"/>
+              </a:buClr>
+              <a:buSzPts val="1100"/>
+              <a:buFont typeface="Arial"/>
               <a:buNone/>
             </a:pPr>
             <a:r>
-              <a:rPr lang="en"/>
+              <a:rPr b="0" i="0" lang="en" sz="1400" u="none" cap="none" strike="noStrike">
+                <a:solidFill>
+                  <a:srgbClr val="000000"/>
+                </a:solidFill>
+                <a:latin typeface="Arial"/>
+                <a:ea typeface="Arial"/>
+                <a:cs typeface="Arial"/>
+                <a:sym typeface="Arial"/>
+              </a:rPr>
               <a:t>git add</a:t>
             </a:r>
-            <a:endParaRPr/>
-          </a:p>
-          <a:p>
-            <a:pPr indent="0" lvl="0" marL="0" rtl="0" algn="l">
-              <a:spcBef>
-                <a:spcPts val="0"/>
-              </a:spcBef>
-              <a:spcAft>
-                <a:spcPts val="0"/>
-              </a:spcAft>
+            <a:endParaRPr b="0" i="0" sz="1400" u="none" cap="none" strike="noStrike">
+              <a:solidFill>
+                <a:srgbClr val="000000"/>
+              </a:solidFill>
+              <a:latin typeface="Arial"/>
+              <a:ea typeface="Arial"/>
+              <a:cs typeface="Arial"/>
+              <a:sym typeface="Arial"/>
+            </a:endParaRPr>
+          </a:p>
+          <a:p>
+            <a:pPr indent="0" lvl="0" marL="0" marR="0" rtl="0" algn="l">
+              <a:lnSpc>
+                <a:spcPct val="100000"/>
+              </a:lnSpc>
+              <a:spcBef>
+                <a:spcPts val="0"/>
+              </a:spcBef>
+              <a:spcAft>
+                <a:spcPts val="0"/>
+              </a:spcAft>
+              <a:buClr>
+                <a:schemeClr val="dk1"/>
+              </a:buClr>
+              <a:buSzPts val="1100"/>
+              <a:buFont typeface="Arial"/>
               <a:buNone/>
             </a:pPr>
             <a:r>
-              <a:rPr lang="en"/>
+              <a:rPr b="0" i="0" lang="en" sz="1400" u="none" cap="none" strike="noStrike">
+                <a:solidFill>
+                  <a:srgbClr val="000000"/>
+                </a:solidFill>
+                <a:latin typeface="Arial"/>
+                <a:ea typeface="Arial"/>
+                <a:cs typeface="Arial"/>
+                <a:sym typeface="Arial"/>
+              </a:rPr>
               <a:t>git diff --color-words</a:t>
             </a:r>
-            <a:endParaRPr/>
-          </a:p>
-          <a:p>
-            <a:pPr indent="0" lvl="0" marL="0" rtl="0" algn="l">
-              <a:spcBef>
-                <a:spcPts val="0"/>
-              </a:spcBef>
-              <a:spcAft>
-                <a:spcPts val="0"/>
-              </a:spcAft>
+            <a:endParaRPr b="0" i="0" sz="1400" u="none" cap="none" strike="noStrike">
+              <a:solidFill>
+                <a:srgbClr val="000000"/>
+              </a:solidFill>
+              <a:latin typeface="Arial"/>
+              <a:ea typeface="Arial"/>
+              <a:cs typeface="Arial"/>
+              <a:sym typeface="Arial"/>
+            </a:endParaRPr>
+          </a:p>
+          <a:p>
+            <a:pPr indent="0" lvl="0" marL="0" marR="0" rtl="0" algn="l">
+              <a:lnSpc>
+                <a:spcPct val="100000"/>
+              </a:lnSpc>
+              <a:spcBef>
+                <a:spcPts val="0"/>
+              </a:spcBef>
+              <a:spcAft>
+                <a:spcPts val="0"/>
+              </a:spcAft>
+              <a:buClr>
+                <a:schemeClr val="dk1"/>
+              </a:buClr>
+              <a:buSzPts val="1100"/>
+              <a:buFont typeface="Arial"/>
               <a:buNone/>
             </a:pPr>
             <a:r>
-              <a:rPr lang="en"/>
+              <a:rPr b="0" i="0" lang="en" sz="1400" u="none" cap="none" strike="noStrike">
+                <a:solidFill>
+                  <a:srgbClr val="000000"/>
+                </a:solidFill>
+                <a:latin typeface="Arial"/>
+                <a:ea typeface="Arial"/>
+                <a:cs typeface="Arial"/>
+                <a:sym typeface="Arial"/>
+              </a:rPr>
               <a:t>git diff --help</a:t>
             </a:r>
-            <a:endParaRPr/>
+            <a:endParaRPr b="0" i="0" sz="1400" u="none" cap="none" strike="noStrike">
+              <a:solidFill>
+                <a:srgbClr val="000000"/>
+              </a:solidFill>
+              <a:latin typeface="Arial"/>
+              <a:ea typeface="Arial"/>
+              <a:cs typeface="Arial"/>
+              <a:sym typeface="Arial"/>
+            </a:endParaRPr>
+          </a:p>
+          <a:p>
+            <a:pPr indent="0" lvl="0" marL="0" marR="0" rtl="0" algn="l">
+              <a:lnSpc>
+                <a:spcPct val="100000"/>
+              </a:lnSpc>
+              <a:spcBef>
+                <a:spcPts val="0"/>
+              </a:spcBef>
+              <a:spcAft>
+                <a:spcPts val="0"/>
+              </a:spcAft>
+              <a:buClr>
+                <a:schemeClr val="dk1"/>
+              </a:buClr>
+              <a:buSzPts val="1100"/>
+              <a:buFont typeface="Arial"/>
+              <a:buNone/>
+            </a:pPr>
+            <a:r>
+              <a:rPr b="0" i="0" lang="en" sz="1400" u="none" cap="none" strike="noStrike">
+                <a:solidFill>
+                  <a:srgbClr val="000000"/>
+                </a:solidFill>
+                <a:latin typeface="Arial"/>
+                <a:ea typeface="Arial"/>
+                <a:cs typeface="Arial"/>
+                <a:sym typeface="Arial"/>
+              </a:rPr>
+              <a:t>git commit</a:t>
+            </a:r>
+            <a:endParaRPr b="0" i="0" sz="1400" u="none" cap="none" strike="noStrike">
+              <a:solidFill>
+                <a:srgbClr val="000000"/>
+              </a:solidFill>
+              <a:latin typeface="Arial"/>
+              <a:ea typeface="Arial"/>
+              <a:cs typeface="Arial"/>
+              <a:sym typeface="Arial"/>
+            </a:endParaRPr>
           </a:p>
           <a:p>
             <a:pPr indent="0" lvl="0" marL="0" rtl="0" algn="l">
@@ -10994,13 +11930,26 @@
               <a:spcAft>
                 <a:spcPts val="0"/>
               </a:spcAft>
+              <a:buClr>
+                <a:schemeClr val="dk1"/>
+              </a:buClr>
+              <a:buSzPts val="1100"/>
+              <a:buFont typeface="Arial"/>
               <a:buNone/>
             </a:pPr>
             <a:r>
-              <a:rPr lang="en"/>
+              <a:rPr lang="en">
+                <a:solidFill>
+                  <a:schemeClr val="dk1"/>
+                </a:solidFill>
+              </a:rPr>
               <a:t>git commit -m</a:t>
             </a:r>
-            <a:endParaRPr/>
+            <a:endParaRPr>
+              <a:solidFill>
+                <a:schemeClr val="dk1"/>
+              </a:solidFill>
+            </a:endParaRPr>
           </a:p>
           <a:p>
             <a:pPr indent="0" lvl="0" marL="0" rtl="0" algn="l">
@@ -11010,13 +11959,26 @@
               <a:spcAft>
                 <a:spcPts val="0"/>
               </a:spcAft>
+              <a:buClr>
+                <a:schemeClr val="dk1"/>
+              </a:buClr>
+              <a:buSzPts val="1100"/>
+              <a:buFont typeface="Arial"/>
               <a:buNone/>
             </a:pPr>
             <a:r>
-              <a:rPr lang="en"/>
-              <a:t>git commit</a:t>
+              <a:rPr lang="en">
+                <a:solidFill>
+                  <a:schemeClr val="dk1"/>
+                </a:solidFill>
+              </a:rPr>
+              <a:t>git commit -am</a:t>
             </a:r>
-            <a:endParaRPr/>
+            <a:endParaRPr>
+              <a:solidFill>
+                <a:schemeClr val="dk1"/>
+              </a:solidFill>
+            </a:endParaRPr>
           </a:p>
           <a:p>
             <a:pPr indent="0" lvl="0" marL="0" rtl="0" algn="l">
@@ -11026,61 +11988,347 @@
               <a:spcAft>
                 <a:spcPts val="0"/>
               </a:spcAft>
+              <a:buClr>
+                <a:schemeClr val="dk1"/>
+              </a:buClr>
+              <a:buSzPts val="1100"/>
+              <a:buFont typeface="Arial"/>
               <a:buNone/>
             </a:pPr>
             <a:r>
-              <a:rPr lang="en"/>
+              <a:rPr lang="en">
+                <a:solidFill>
+                  <a:schemeClr val="dk1"/>
+                </a:solidFill>
+              </a:rPr>
               <a:t>git log</a:t>
             </a:r>
-            <a:endParaRPr/>
-          </a:p>
-          <a:p>
-            <a:pPr indent="0" lvl="0" marL="0" rtl="0" algn="l">
-              <a:spcBef>
-                <a:spcPts val="0"/>
-              </a:spcBef>
-              <a:spcAft>
-                <a:spcPts val="0"/>
-              </a:spcAft>
+            <a:endParaRPr>
+              <a:solidFill>
+                <a:schemeClr val="dk1"/>
+              </a:solidFill>
+            </a:endParaRPr>
+          </a:p>
+          <a:p>
+            <a:pPr indent="0" lvl="0" marL="0" marR="0" rtl="0" algn="l">
+              <a:lnSpc>
+                <a:spcPct val="100000"/>
+              </a:lnSpc>
+              <a:spcBef>
+                <a:spcPts val="0"/>
+              </a:spcBef>
+              <a:spcAft>
+                <a:spcPts val="0"/>
+              </a:spcAft>
+              <a:buClr>
+                <a:srgbClr val="000000"/>
+              </a:buClr>
+              <a:buSzPts val="1400"/>
+              <a:buFont typeface="Arial"/>
               <a:buNone/>
             </a:pPr>
             <a:r>
-              <a:rPr lang="en"/>
-              <a:t>git commit -am</a:t>
-            </a:r>
-            <a:endParaRPr/>
-          </a:p>
-          <a:p>
-            <a:pPr indent="0" lvl="0" marL="0" rtl="0" algn="l">
-              <a:spcBef>
-                <a:spcPts val="0"/>
-              </a:spcBef>
-              <a:spcAft>
-                <a:spcPts val="0"/>
-              </a:spcAft>
-              <a:buNone/>
-            </a:pPr>
-            <a:r>
-              <a:rPr lang="en"/>
-              <a:t>git reset HEAD^</a:t>
-            </a:r>
-            <a:endParaRPr/>
-          </a:p>
-          <a:p>
-            <a:pPr indent="0" lvl="0" marL="0" rtl="0" algn="l">
-              <a:spcBef>
-                <a:spcPts val="0"/>
-              </a:spcBef>
-              <a:spcAft>
-                <a:spcPts val="0"/>
-              </a:spcAft>
-              <a:buNone/>
-            </a:pPr>
-            <a:r>
-              <a:rPr lang="en"/>
+              <a:rPr b="0" i="0" lang="en" sz="1400" u="none" cap="none" strike="noStrike">
+                <a:solidFill>
+                  <a:srgbClr val="000000"/>
+                </a:solidFill>
+                <a:latin typeface="Arial"/>
+                <a:ea typeface="Arial"/>
+                <a:cs typeface="Arial"/>
+                <a:sym typeface="Arial"/>
+              </a:rPr>
               <a:t>git commit --amend</a:t>
             </a:r>
-            <a:endParaRPr/>
+            <a:endParaRPr b="0" i="0" sz="1400" u="none" cap="none" strike="noStrike">
+              <a:solidFill>
+                <a:srgbClr val="000000"/>
+              </a:solidFill>
+              <a:latin typeface="Arial"/>
+              <a:ea typeface="Arial"/>
+              <a:cs typeface="Arial"/>
+              <a:sym typeface="Arial"/>
+            </a:endParaRPr>
+          </a:p>
+        </p:txBody>
+      </p:sp>
+      <p:sp>
+        <p:nvSpPr>
+          <p:cNvPr id="88" name="Google Shape;88;p3"/>
+          <p:cNvSpPr txBox="1"/>
+          <p:nvPr/>
+        </p:nvSpPr>
+        <p:spPr>
+          <a:xfrm>
+            <a:off x="2709700" y="742875"/>
+            <a:ext cx="6434100" cy="3905400"/>
+          </a:xfrm>
+          <a:prstGeom prst="rect">
+            <a:avLst/>
+          </a:prstGeom>
+          <a:noFill/>
+          <a:ln>
+            <a:noFill/>
+          </a:ln>
+        </p:spPr>
+        <p:txBody>
+          <a:bodyPr anchorCtr="0" anchor="t" bIns="91425" lIns="91425" spcFirstLastPara="1" rIns="91425" wrap="square" tIns="91425">
+            <a:noAutofit/>
+          </a:bodyPr>
+          <a:lstStyle/>
+          <a:p>
+            <a:pPr indent="-330200" lvl="0" marL="457200" rtl="0" algn="l">
+              <a:spcBef>
+                <a:spcPts val="0"/>
+              </a:spcBef>
+              <a:spcAft>
+                <a:spcPts val="0"/>
+              </a:spcAft>
+              <a:buSzPts val="1600"/>
+              <a:buChar char="●"/>
+            </a:pPr>
+            <a:r>
+              <a:rPr lang="en" sz="1600"/>
+              <a:t>maak lokale repository</a:t>
+            </a:r>
+            <a:endParaRPr sz="1600"/>
+          </a:p>
+          <a:p>
+            <a:pPr indent="-330200" lvl="0" marL="457200" rtl="0" algn="l">
+              <a:spcBef>
+                <a:spcPts val="0"/>
+              </a:spcBef>
+              <a:spcAft>
+                <a:spcPts val="0"/>
+              </a:spcAft>
+              <a:buSzPts val="1600"/>
+              <a:buChar char="●"/>
+            </a:pPr>
+            <a:r>
+              <a:rPr lang="en" sz="1600"/>
+              <a:t>vraag regelmatig status op</a:t>
+            </a:r>
+            <a:endParaRPr sz="1600"/>
+          </a:p>
+          <a:p>
+            <a:pPr indent="-330200" lvl="0" marL="457200" rtl="0" algn="l">
+              <a:spcBef>
+                <a:spcPts val="0"/>
+              </a:spcBef>
+              <a:spcAft>
+                <a:spcPts val="0"/>
+              </a:spcAft>
+              <a:buSzPts val="1600"/>
+              <a:buChar char="●"/>
+            </a:pPr>
+            <a:r>
+              <a:rPr lang="en" sz="1600"/>
+              <a:t>lees de complete status tekst</a:t>
+            </a:r>
+            <a:endParaRPr sz="1600"/>
+          </a:p>
+          <a:p>
+            <a:pPr indent="-330200" lvl="0" marL="457200" rtl="0" algn="l">
+              <a:spcBef>
+                <a:spcPts val="0"/>
+              </a:spcBef>
+              <a:spcAft>
+                <a:spcPts val="0"/>
+              </a:spcAft>
+              <a:buSzPts val="1600"/>
+              <a:buChar char="●"/>
+            </a:pPr>
+            <a:r>
+              <a:rPr lang="en" sz="1600"/>
+              <a:t>maak bestanden</a:t>
+            </a:r>
+            <a:endParaRPr sz="1600"/>
+          </a:p>
+          <a:p>
+            <a:pPr indent="-330200" lvl="0" marL="457200" rtl="0" algn="l">
+              <a:spcBef>
+                <a:spcPts val="0"/>
+              </a:spcBef>
+              <a:spcAft>
+                <a:spcPts val="0"/>
+              </a:spcAft>
+              <a:buSzPts val="1600"/>
+              <a:buChar char="●"/>
+            </a:pPr>
+            <a:r>
+              <a:rPr lang="en" sz="1600"/>
+              <a:t>maak ze bekend bij Git</a:t>
+            </a:r>
+            <a:endParaRPr sz="1600"/>
+          </a:p>
+          <a:p>
+            <a:pPr indent="-330200" lvl="0" marL="457200" rtl="0" algn="l">
+              <a:spcBef>
+                <a:spcPts val="0"/>
+              </a:spcBef>
+              <a:spcAft>
+                <a:spcPts val="0"/>
+              </a:spcAft>
+              <a:buSzPts val="1600"/>
+              <a:buChar char="●"/>
+            </a:pPr>
+            <a:r>
+              <a:rPr lang="en" sz="1600"/>
+              <a:t>stage bestanden</a:t>
+            </a:r>
+            <a:endParaRPr sz="1600"/>
+          </a:p>
+          <a:p>
+            <a:pPr indent="-330200" lvl="0" marL="457200" rtl="0" algn="l">
+              <a:spcBef>
+                <a:spcPts val="0"/>
+              </a:spcBef>
+              <a:spcAft>
+                <a:spcPts val="0"/>
+              </a:spcAft>
+              <a:buSzPts val="1600"/>
+              <a:buChar char="●"/>
+            </a:pPr>
+            <a:r>
+              <a:rPr lang="en" sz="1600"/>
+              <a:t>unstage bestanden</a:t>
+            </a:r>
+            <a:endParaRPr sz="1600"/>
+          </a:p>
+          <a:p>
+            <a:pPr indent="-330200" lvl="0" marL="457200" rtl="0" algn="l">
+              <a:spcBef>
+                <a:spcPts val="0"/>
+              </a:spcBef>
+              <a:spcAft>
+                <a:spcPts val="0"/>
+              </a:spcAft>
+              <a:buSzPts val="1600"/>
+              <a:buChar char="●"/>
+            </a:pPr>
+            <a:r>
+              <a:rPr lang="en" sz="1600"/>
+              <a:t>commit bestanden</a:t>
+            </a:r>
+            <a:endParaRPr sz="1600"/>
+          </a:p>
+          <a:p>
+            <a:pPr indent="-330200" lvl="0" marL="457200" rtl="0" algn="l">
+              <a:spcBef>
+                <a:spcPts val="0"/>
+              </a:spcBef>
+              <a:spcAft>
+                <a:spcPts val="0"/>
+              </a:spcAft>
+              <a:buSzPts val="1600"/>
+              <a:buChar char="●"/>
+            </a:pPr>
+            <a:r>
+              <a:rPr lang="en" sz="1600"/>
+              <a:t>vraag log op</a:t>
+            </a:r>
+            <a:endParaRPr sz="1600"/>
+          </a:p>
+          <a:p>
+            <a:pPr indent="-330200" lvl="0" marL="457200" rtl="0" algn="l">
+              <a:spcBef>
+                <a:spcPts val="0"/>
+              </a:spcBef>
+              <a:spcAft>
+                <a:spcPts val="0"/>
+              </a:spcAft>
+              <a:buSzPts val="1600"/>
+              <a:buChar char="●"/>
+            </a:pPr>
+            <a:r>
+              <a:rPr lang="en" sz="1600"/>
+              <a:t>wijzig bestanden</a:t>
+            </a:r>
+            <a:endParaRPr sz="1600"/>
+          </a:p>
+          <a:p>
+            <a:pPr indent="-330200" lvl="0" marL="457200" rtl="0" algn="l">
+              <a:spcBef>
+                <a:spcPts val="0"/>
+              </a:spcBef>
+              <a:spcAft>
+                <a:spcPts val="0"/>
+              </a:spcAft>
+              <a:buSzPts val="1600"/>
+              <a:buChar char="●"/>
+            </a:pPr>
+            <a:r>
+              <a:rPr lang="en" sz="1600"/>
+              <a:t>vraag wijzigingen op</a:t>
+            </a:r>
+            <a:endParaRPr sz="1600"/>
+          </a:p>
+          <a:p>
+            <a:pPr indent="-330200" lvl="0" marL="457200" rtl="0" algn="l">
+              <a:spcBef>
+                <a:spcPts val="0"/>
+              </a:spcBef>
+              <a:spcAft>
+                <a:spcPts val="0"/>
+              </a:spcAft>
+              <a:buSzPts val="1600"/>
+              <a:buChar char="●"/>
+            </a:pPr>
+            <a:r>
+              <a:rPr lang="en" sz="1600"/>
+              <a:t>maak meerdere bestanden</a:t>
+            </a:r>
+            <a:endParaRPr sz="1600"/>
+          </a:p>
+          <a:p>
+            <a:pPr indent="-330200" lvl="0" marL="457200" rtl="0" algn="l">
+              <a:spcBef>
+                <a:spcPts val="0"/>
+              </a:spcBef>
+              <a:spcAft>
+                <a:spcPts val="0"/>
+              </a:spcAft>
+              <a:buSzPts val="1600"/>
+              <a:buChar char="●"/>
+            </a:pPr>
+            <a:r>
+              <a:rPr lang="en" sz="1600"/>
+              <a:t>stage slechts één daarvan en commit(atomic commit)</a:t>
+            </a:r>
+            <a:endParaRPr sz="1600"/>
+          </a:p>
+          <a:p>
+            <a:pPr indent="-330200" lvl="0" marL="457200" rtl="0" algn="l">
+              <a:spcBef>
+                <a:spcPts val="0"/>
+              </a:spcBef>
+              <a:spcAft>
+                <a:spcPts val="0"/>
+              </a:spcAft>
+              <a:buSzPts val="1600"/>
+              <a:buChar char="●"/>
+            </a:pPr>
+            <a:r>
+              <a:rPr lang="en" sz="1600"/>
+              <a:t>wijzig een commit-tekst</a:t>
+            </a:r>
+            <a:endParaRPr sz="1600"/>
+          </a:p>
+          <a:p>
+            <a:pPr indent="-330200" lvl="0" marL="457200" rtl="0" algn="l">
+              <a:spcBef>
+                <a:spcPts val="0"/>
+              </a:spcBef>
+              <a:spcAft>
+                <a:spcPts val="0"/>
+              </a:spcAft>
+              <a:buSzPts val="1600"/>
+              <a:buChar char="●"/>
+            </a:pPr>
+            <a:r>
+              <a:rPr lang="en" sz="1600"/>
+              <a:t>bij reeds bekende bestanden gebruik de -am optie van commit</a:t>
+            </a:r>
+            <a:endParaRPr sz="1600"/>
           </a:p>
         </p:txBody>
       </p:sp>
@@ -11097,7 +12345,7 @@
   <p:cSld>
     <p:spTree>
       <p:nvGrpSpPr>
-        <p:cNvPr id="89" name="Shape 89"/>
+        <p:cNvPr id="92" name="Shape 92"/>
         <p:cNvGrpSpPr/>
         <p:nvPr/>
       </p:nvGrpSpPr>
@@ -11111,13 +12359,13 @@
       </p:grpSpPr>
       <p:sp>
         <p:nvSpPr>
-          <p:cNvPr id="90" name="Google Shape;90;g6245813c3e_0_4"/>
+          <p:cNvPr id="93" name="Google Shape;93;g6245813c3e_0_15"/>
           <p:cNvSpPr/>
           <p:nvPr/>
         </p:nvSpPr>
         <p:spPr>
           <a:xfrm>
-            <a:off x="2852450" y="914400"/>
+            <a:off x="934564" y="914400"/>
             <a:ext cx="183000" cy="182100"/>
           </a:xfrm>
           <a:prstGeom prst="ellipse">
@@ -11176,13 +12424,13 @@
       </p:sp>
       <p:sp>
         <p:nvSpPr>
-          <p:cNvPr id="91" name="Google Shape;91;g6245813c3e_0_4"/>
+          <p:cNvPr id="94" name="Google Shape;94;g6245813c3e_0_15"/>
           <p:cNvSpPr/>
           <p:nvPr/>
         </p:nvSpPr>
         <p:spPr>
           <a:xfrm>
-            <a:off x="2852450" y="1371600"/>
+            <a:off x="934564" y="1371600"/>
             <a:ext cx="183000" cy="182100"/>
           </a:xfrm>
           <a:prstGeom prst="ellipse">
@@ -11241,16 +12489,16 @@
       </p:sp>
       <p:cxnSp>
         <p:nvCxnSpPr>
-          <p:cNvPr id="92" name="Google Shape;92;g6245813c3e_0_4"/>
+          <p:cNvPr id="95" name="Google Shape;95;g6245813c3e_0_15"/>
           <p:cNvCxnSpPr>
-            <a:stCxn id="90" idx="4"/>
-            <a:endCxn id="91" idx="0"/>
+            <a:stCxn id="93" idx="4"/>
+            <a:endCxn id="94" idx="0"/>
           </p:cNvCxnSpPr>
           <p:nvPr/>
         </p:nvCxnSpPr>
         <p:spPr>
           <a:xfrm>
-            <a:off x="2943950" y="1096500"/>
+            <a:off x="1026064" y="1096500"/>
             <a:ext cx="0" cy="275100"/>
           </a:xfrm>
           <a:prstGeom prst="straightConnector1">
@@ -11270,13 +12518,13 @@
       </p:cxnSp>
       <p:sp>
         <p:nvSpPr>
-          <p:cNvPr id="93" name="Google Shape;93;g6245813c3e_0_4"/>
+          <p:cNvPr id="96" name="Google Shape;96;g6245813c3e_0_15"/>
           <p:cNvSpPr txBox="1"/>
           <p:nvPr/>
         </p:nvSpPr>
         <p:spPr>
           <a:xfrm>
-            <a:off x="3111500" y="868350"/>
+            <a:off x="1193614" y="868350"/>
             <a:ext cx="1097400" cy="274200"/>
           </a:xfrm>
           <a:prstGeom prst="rect">
@@ -11336,13 +12584,78 @@
       </p:sp>
       <p:sp>
         <p:nvSpPr>
-          <p:cNvPr id="94" name="Google Shape;94;g6245813c3e_0_4"/>
+          <p:cNvPr id="97" name="Google Shape;97;g6245813c3e_0_15"/>
+          <p:cNvSpPr/>
+          <p:nvPr/>
+        </p:nvSpPr>
+        <p:spPr>
+          <a:xfrm>
+            <a:off x="934564" y="1828800"/>
+            <a:ext cx="183000" cy="182100"/>
+          </a:xfrm>
+          <a:prstGeom prst="ellipse">
+            <a:avLst/>
+          </a:prstGeom>
+          <a:solidFill>
+            <a:schemeClr val="lt2"/>
+          </a:solidFill>
+          <a:ln cap="flat" cmpd="sng" w="9525">
+            <a:solidFill>
+              <a:schemeClr val="dk2"/>
+            </a:solidFill>
+            <a:prstDash val="solid"/>
+            <a:round/>
+            <a:headEnd len="sm" w="sm" type="none"/>
+            <a:tailEnd len="sm" w="sm" type="none"/>
+          </a:ln>
+        </p:spPr>
+        <p:txBody>
+          <a:bodyPr anchorCtr="0" anchor="ctr" bIns="91425" lIns="91425" spcFirstLastPara="1" rIns="91425" wrap="square" tIns="91425">
+            <a:noAutofit/>
+          </a:bodyPr>
+          <a:lstStyle/>
+          <a:p>
+            <a:pPr indent="0" lvl="0" marL="0" marR="0" rtl="0" algn="l">
+              <a:lnSpc>
+                <a:spcPct val="100000"/>
+              </a:lnSpc>
+              <a:spcBef>
+                <a:spcPts val="0"/>
+              </a:spcBef>
+              <a:spcAft>
+                <a:spcPts val="0"/>
+              </a:spcAft>
+              <a:buClr>
+                <a:srgbClr val="000000"/>
+              </a:buClr>
+              <a:buSzPts val="1400"/>
+              <a:buFont typeface="Arial"/>
+              <a:buNone/>
+            </a:pPr>
+            <a:r>
+              <a:t/>
+            </a:r>
+            <a:endParaRPr b="0" i="0" sz="1400" u="none" cap="none" strike="noStrike">
+              <a:solidFill>
+                <a:srgbClr val="000000"/>
+              </a:solidFill>
+              <a:latin typeface="Arial"/>
+              <a:ea typeface="Arial"/>
+              <a:cs typeface="Arial"/>
+              <a:sym typeface="Arial"/>
+            </a:endParaRPr>
+          </a:p>
+        </p:txBody>
+      </p:sp>
+      <p:sp>
+        <p:nvSpPr>
+          <p:cNvPr id="98" name="Google Shape;98;g6245813c3e_0_15"/>
           <p:cNvSpPr txBox="1"/>
           <p:nvPr/>
         </p:nvSpPr>
         <p:spPr>
           <a:xfrm>
-            <a:off x="3111500" y="1325550"/>
+            <a:off x="1193614" y="1325550"/>
             <a:ext cx="1097400" cy="274200"/>
           </a:xfrm>
           <a:prstGeom prst="rect">
@@ -11402,13 +12715,79 @@
       </p:sp>
       <p:sp>
         <p:nvSpPr>
-          <p:cNvPr id="95" name="Google Shape;95;g6245813c3e_0_4"/>
+          <p:cNvPr id="99" name="Google Shape;99;g6245813c3e_0_15"/>
           <p:cNvSpPr txBox="1"/>
           <p:nvPr/>
         </p:nvSpPr>
         <p:spPr>
           <a:xfrm>
-            <a:off x="2201350" y="1371600"/>
+            <a:off x="1193614" y="1782750"/>
+            <a:ext cx="1097400" cy="274200"/>
+          </a:xfrm>
+          <a:prstGeom prst="rect">
+            <a:avLst/>
+          </a:prstGeom>
+          <a:noFill/>
+          <a:ln>
+            <a:noFill/>
+          </a:ln>
+        </p:spPr>
+        <p:txBody>
+          <a:bodyPr anchorCtr="0" anchor="t" bIns="0" lIns="0" spcFirstLastPara="1" rIns="0" wrap="square" tIns="0">
+            <a:noAutofit/>
+          </a:bodyPr>
+          <a:lstStyle/>
+          <a:p>
+            <a:pPr indent="0" lvl="0" marL="0" marR="0" rtl="0" algn="l">
+              <a:lnSpc>
+                <a:spcPct val="100000"/>
+              </a:lnSpc>
+              <a:spcBef>
+                <a:spcPts val="0"/>
+              </a:spcBef>
+              <a:spcAft>
+                <a:spcPts val="0"/>
+              </a:spcAft>
+              <a:buClr>
+                <a:srgbClr val="000000"/>
+              </a:buClr>
+              <a:buSzPts val="1400"/>
+              <a:buFont typeface="Arial"/>
+              <a:buNone/>
+            </a:pPr>
+            <a:r>
+              <a:rPr b="0" i="0" lang="en" sz="1400" u="none" cap="none" strike="noStrike">
+                <a:solidFill>
+                  <a:srgbClr val="000000"/>
+                </a:solidFill>
+                <a:latin typeface="Arial"/>
+                <a:ea typeface="Arial"/>
+                <a:cs typeface="Arial"/>
+                <a:sym typeface="Arial"/>
+              </a:rPr>
+              <a:t>Dit is beter</a:t>
+            </a:r>
+            <a:endParaRPr b="0" i="0" sz="1400" u="none" cap="none" strike="noStrike">
+              <a:solidFill>
+                <a:srgbClr val="000000"/>
+              </a:solidFill>
+              <a:latin typeface="Arial"/>
+              <a:ea typeface="Arial"/>
+              <a:cs typeface="Arial"/>
+              <a:sym typeface="Arial"/>
+            </a:endParaRPr>
+          </a:p>
+        </p:txBody>
+      </p:sp>
+      <p:sp>
+        <p:nvSpPr>
+          <p:cNvPr id="100" name="Google Shape;100;g6245813c3e_0_15"/>
+          <p:cNvSpPr txBox="1"/>
+          <p:nvPr/>
+        </p:nvSpPr>
+        <p:spPr>
+          <a:xfrm>
+            <a:off x="283464" y="1828800"/>
             <a:ext cx="479700" cy="182100"/>
           </a:xfrm>
           <a:prstGeom prst="rect">
@@ -11445,32 +12824,53 @@
               <a:buNone/>
             </a:pPr>
             <a:r>
-              <a:rPr b="0" i="0" lang="en" sz="900" u="none" cap="none" strike="noStrike">
+              <a:rPr b="1" i="0" lang="en" sz="900" u="none" cap="none" strike="noStrike">
                 <a:solidFill>
                   <a:srgbClr val="000000"/>
                 </a:solidFill>
-                <a:latin typeface="Arial"/>
-                <a:ea typeface="Arial"/>
-                <a:cs typeface="Arial"/>
-                <a:sym typeface="Arial"/>
               </a:rPr>
               <a:t>master</a:t>
             </a:r>
-            <a:endParaRPr b="0" i="0" sz="900" u="none" cap="none" strike="noStrike">
+            <a:endParaRPr b="1" i="0" sz="900" u="none" cap="none" strike="noStrike">
               <a:solidFill>
                 <a:srgbClr val="000000"/>
               </a:solidFill>
-              <a:latin typeface="Arial"/>
-              <a:ea typeface="Arial"/>
-              <a:cs typeface="Arial"/>
-              <a:sym typeface="Arial"/>
             </a:endParaRPr>
           </a:p>
         </p:txBody>
       </p:sp>
+      <p:cxnSp>
+        <p:nvCxnSpPr>
+          <p:cNvPr id="101" name="Google Shape;101;g6245813c3e_0_15"/>
+          <p:cNvCxnSpPr>
+            <a:stCxn id="94" idx="4"/>
+            <a:endCxn id="97" idx="0"/>
+          </p:cNvCxnSpPr>
+          <p:nvPr/>
+        </p:nvCxnSpPr>
+        <p:spPr>
+          <a:xfrm>
+            <a:off x="1026064" y="1553700"/>
+            <a:ext cx="0" cy="275100"/>
+          </a:xfrm>
+          <a:prstGeom prst="straightConnector1">
+            <a:avLst/>
+          </a:prstGeom>
+          <a:noFill/>
+          <a:ln cap="flat" cmpd="sng" w="9525">
+            <a:solidFill>
+              <a:schemeClr val="dk2"/>
+            </a:solidFill>
+            <a:prstDash val="solid"/>
+            <a:round/>
+            <a:headEnd len="sm" w="sm" type="none"/>
+            <a:tailEnd len="sm" w="sm" type="none"/>
+          </a:ln>
+        </p:spPr>
+      </p:cxnSp>
       <p:sp>
         <p:nvSpPr>
-          <p:cNvPr id="96" name="Google Shape;96;g6245813c3e_0_4"/>
+          <p:cNvPr id="102" name="Google Shape;102;g6245813c3e_0_15"/>
           <p:cNvSpPr txBox="1"/>
           <p:nvPr/>
         </p:nvSpPr>
@@ -11513,6 +12913,14 @@
               <a:buNone/>
             </a:pPr>
             <a:r>
+              <a:rPr lang="en" sz="1600">
+                <a:solidFill>
+                  <a:schemeClr val="dk1"/>
+                </a:solidFill>
+              </a:rPr>
+              <a:t>1. Opdracht </a:t>
+            </a:r>
+            <a:r>
               <a:rPr b="0" i="0" lang="en" sz="1400" u="none" cap="none" strike="noStrike">
                 <a:solidFill>
                   <a:srgbClr val="000000"/>
@@ -11538,14 +12946,14 @@
       </p:sp>
       <p:sp>
         <p:nvSpPr>
-          <p:cNvPr id="97" name="Google Shape;97;g6245813c3e_0_4"/>
+          <p:cNvPr id="103" name="Google Shape;103;g6245813c3e_0_15"/>
           <p:cNvSpPr txBox="1"/>
           <p:nvPr/>
         </p:nvSpPr>
         <p:spPr>
           <a:xfrm>
-            <a:off x="6615075" y="868350"/>
-            <a:ext cx="1875000" cy="2515200"/>
+            <a:off x="275925" y="2571750"/>
+            <a:ext cx="1875000" cy="2253300"/>
           </a:xfrm>
           <a:prstGeom prst="rect">
             <a:avLst/>
@@ -11569,260 +12977,34 @@
           </a:bodyPr>
           <a:lstStyle/>
           <a:p>
-            <a:pPr indent="0" lvl="0" marL="0" rtl="0" algn="l">
-              <a:spcBef>
-                <a:spcPts val="0"/>
-              </a:spcBef>
-              <a:spcAft>
-                <a:spcPts val="0"/>
-              </a:spcAft>
+            <a:pPr indent="0" lvl="0" marL="0" marR="0" rtl="0" algn="l">
+              <a:lnSpc>
+                <a:spcPct val="100000"/>
+              </a:lnSpc>
+              <a:spcBef>
+                <a:spcPts val="0"/>
+              </a:spcBef>
+              <a:spcAft>
+                <a:spcPts val="0"/>
+              </a:spcAft>
+              <a:buClr>
+                <a:schemeClr val="dk1"/>
+              </a:buClr>
+              <a:buSzPts val="1100"/>
+              <a:buFont typeface="Arial"/>
               <a:buNone/>
             </a:pPr>
             <a:r>
-              <a:rPr lang="en"/>
+              <a:rPr b="0" i="0" lang="en" sz="1400" u="none" cap="none" strike="noStrike">
+                <a:solidFill>
+                  <a:srgbClr val="000000"/>
+                </a:solidFill>
+                <a:latin typeface="Arial"/>
+                <a:ea typeface="Arial"/>
+                <a:cs typeface="Arial"/>
+                <a:sym typeface="Arial"/>
+              </a:rPr>
               <a:t>git init</a:t>
-            </a:r>
-            <a:endParaRPr/>
-          </a:p>
-          <a:p>
-            <a:pPr indent="0" lvl="0" marL="0" rtl="0" algn="l">
-              <a:spcBef>
-                <a:spcPts val="0"/>
-              </a:spcBef>
-              <a:spcAft>
-                <a:spcPts val="0"/>
-              </a:spcAft>
-              <a:buNone/>
-            </a:pPr>
-            <a:r>
-              <a:rPr lang="en"/>
-              <a:t>git status</a:t>
-            </a:r>
-            <a:endParaRPr/>
-          </a:p>
-          <a:p>
-            <a:pPr indent="0" lvl="0" marL="0" rtl="0" algn="l">
-              <a:spcBef>
-                <a:spcPts val="0"/>
-              </a:spcBef>
-              <a:spcAft>
-                <a:spcPts val="0"/>
-              </a:spcAft>
-              <a:buNone/>
-            </a:pPr>
-            <a:r>
-              <a:rPr lang="en"/>
-              <a:t>git add</a:t>
-            </a:r>
-            <a:endParaRPr/>
-          </a:p>
-          <a:p>
-            <a:pPr indent="0" lvl="0" marL="0" rtl="0" algn="l">
-              <a:spcBef>
-                <a:spcPts val="0"/>
-              </a:spcBef>
-              <a:spcAft>
-                <a:spcPts val="0"/>
-              </a:spcAft>
-              <a:buNone/>
-            </a:pPr>
-            <a:r>
-              <a:rPr lang="en"/>
-              <a:t>git diff --color-words</a:t>
-            </a:r>
-            <a:endParaRPr/>
-          </a:p>
-          <a:p>
-            <a:pPr indent="0" lvl="0" marL="0" rtl="0" algn="l">
-              <a:spcBef>
-                <a:spcPts val="0"/>
-              </a:spcBef>
-              <a:spcAft>
-                <a:spcPts val="0"/>
-              </a:spcAft>
-              <a:buNone/>
-            </a:pPr>
-            <a:r>
-              <a:rPr lang="en"/>
-              <a:t>git diff --help</a:t>
-            </a:r>
-            <a:endParaRPr/>
-          </a:p>
-          <a:p>
-            <a:pPr indent="0" lvl="0" marL="0" rtl="0" algn="l">
-              <a:spcBef>
-                <a:spcPts val="0"/>
-              </a:spcBef>
-              <a:spcAft>
-                <a:spcPts val="0"/>
-              </a:spcAft>
-              <a:buNone/>
-            </a:pPr>
-            <a:r>
-              <a:rPr lang="en"/>
-              <a:t>git commit -m</a:t>
-            </a:r>
-            <a:endParaRPr/>
-          </a:p>
-          <a:p>
-            <a:pPr indent="0" lvl="0" marL="0" rtl="0" algn="l">
-              <a:spcBef>
-                <a:spcPts val="0"/>
-              </a:spcBef>
-              <a:spcAft>
-                <a:spcPts val="0"/>
-              </a:spcAft>
-              <a:buNone/>
-            </a:pPr>
-            <a:r>
-              <a:rPr lang="en"/>
-              <a:t>git commit</a:t>
-            </a:r>
-            <a:endParaRPr/>
-          </a:p>
-          <a:p>
-            <a:pPr indent="0" lvl="0" marL="0" rtl="0" algn="l">
-              <a:spcBef>
-                <a:spcPts val="0"/>
-              </a:spcBef>
-              <a:spcAft>
-                <a:spcPts val="0"/>
-              </a:spcAft>
-              <a:buNone/>
-            </a:pPr>
-            <a:r>
-              <a:rPr lang="en"/>
-              <a:t>git log</a:t>
-            </a:r>
-            <a:endParaRPr/>
-          </a:p>
-          <a:p>
-            <a:pPr indent="0" lvl="0" marL="0" rtl="0" algn="l">
-              <a:spcBef>
-                <a:spcPts val="0"/>
-              </a:spcBef>
-              <a:spcAft>
-                <a:spcPts val="0"/>
-              </a:spcAft>
-              <a:buNone/>
-            </a:pPr>
-            <a:r>
-              <a:rPr lang="en"/>
-              <a:t>git commit -am</a:t>
-            </a:r>
-            <a:endParaRPr/>
-          </a:p>
-          <a:p>
-            <a:pPr indent="0" lvl="0" marL="0" rtl="0" algn="l">
-              <a:spcBef>
-                <a:spcPts val="0"/>
-              </a:spcBef>
-              <a:spcAft>
-                <a:spcPts val="0"/>
-              </a:spcAft>
-              <a:buNone/>
-            </a:pPr>
-            <a:r>
-              <a:rPr lang="en"/>
-              <a:t>git reset HEAD^</a:t>
-            </a:r>
-            <a:endParaRPr/>
-          </a:p>
-          <a:p>
-            <a:pPr indent="0" lvl="0" marL="0" rtl="0" algn="l">
-              <a:spcBef>
-                <a:spcPts val="0"/>
-              </a:spcBef>
-              <a:spcAft>
-                <a:spcPts val="0"/>
-              </a:spcAft>
-              <a:buNone/>
-            </a:pPr>
-            <a:r>
-              <a:rPr lang="en"/>
-              <a:t>git commit --amend</a:t>
-            </a:r>
-            <a:endParaRPr/>
-          </a:p>
-        </p:txBody>
-      </p:sp>
-    </p:spTree>
-  </p:cSld>
-  <p:clrMapOvr>
-    <a:masterClrMapping/>
-  </p:clrMapOvr>
-</p:sld>
-</file>
-
-<file path=ppt/slides/slide5.xml><?xml version="1.0" encoding="utf-8"?>
-<p:sld xmlns:a="http://schemas.openxmlformats.org/drawingml/2006/main" xmlns:r="http://schemas.openxmlformats.org/officeDocument/2006/relationships" xmlns:mc="http://schemas.openxmlformats.org/markup-compatibility/2006" xmlns:mv="urn:schemas-microsoft-com:mac:vml" xmlns:p="http://schemas.openxmlformats.org/presentationml/2006/main" xmlns:c="http://schemas.openxmlformats.org/drawingml/2006/chart" xmlns:dgm="http://schemas.openxmlformats.org/drawingml/2006/diagram" xmlns:o="urn:schemas-microsoft-com:office:office" xmlns:v="urn:schemas-microsoft-com:vml" xmlns:pvml="urn:schemas-microsoft-com:office:powerpoint" xmlns:com="http://schemas.openxmlformats.org/drawingml/2006/compatibility" xmlns:p14="http://schemas.microsoft.com/office/powerpoint/2010/main" xmlns:p15="http://schemas.microsoft.com/office/powerpoint/2012/main">
-  <p:cSld>
-    <p:spTree>
-      <p:nvGrpSpPr>
-        <p:cNvPr id="101" name="Shape 101"/>
-        <p:cNvGrpSpPr/>
-        <p:nvPr/>
-      </p:nvGrpSpPr>
-      <p:grpSpPr>
-        <a:xfrm>
-          <a:off x="0" y="0"/>
-          <a:ext cx="0" cy="0"/>
-          <a:chOff x="0" y="0"/>
-          <a:chExt cx="0" cy="0"/>
-        </a:xfrm>
-      </p:grpSpPr>
-      <p:sp>
-        <p:nvSpPr>
-          <p:cNvPr id="102" name="Google Shape;102;g6245813c3e_0_15"/>
-          <p:cNvSpPr/>
-          <p:nvPr/>
-        </p:nvSpPr>
-        <p:spPr>
-          <a:xfrm>
-            <a:off x="2852450" y="914400"/>
-            <a:ext cx="183000" cy="182100"/>
-          </a:xfrm>
-          <a:prstGeom prst="ellipse">
-            <a:avLst/>
-          </a:prstGeom>
-          <a:solidFill>
-            <a:schemeClr val="lt2"/>
-          </a:solidFill>
-          <a:ln cap="flat" cmpd="sng" w="9525">
-            <a:solidFill>
-              <a:schemeClr val="dk2"/>
-            </a:solidFill>
-            <a:prstDash val="solid"/>
-            <a:round/>
-            <a:headEnd len="sm" w="sm" type="none"/>
-            <a:tailEnd len="sm" w="sm" type="none"/>
-          </a:ln>
-        </p:spPr>
-        <p:txBody>
-          <a:bodyPr anchorCtr="0" anchor="ctr" bIns="91425" lIns="91425" spcFirstLastPara="1" rIns="91425" wrap="square" tIns="91425">
-            <a:noAutofit/>
-          </a:bodyPr>
-          <a:lstStyle/>
-          <a:p>
-            <a:pPr indent="0" lvl="0" marL="0" marR="0" rtl="0" algn="l">
-              <a:lnSpc>
-                <a:spcPct val="100000"/>
-              </a:lnSpc>
-              <a:spcBef>
-                <a:spcPts val="0"/>
-              </a:spcBef>
-              <a:spcAft>
-                <a:spcPts val="0"/>
-              </a:spcAft>
-              <a:buClr>
-                <a:srgbClr val="000000"/>
-              </a:buClr>
-              <a:buSzPts val="1400"/>
-              <a:buFont typeface="Arial"/>
-              <a:buNone/>
-            </a:pPr>
-            <a:r>
-              <a:t/>
             </a:r>
             <a:endParaRPr b="0" i="0" sz="1400" u="none" cap="none" strike="noStrike">
               <a:solidFill>
@@ -11834,40 +13016,6 @@
               <a:sym typeface="Arial"/>
             </a:endParaRPr>
           </a:p>
-        </p:txBody>
-      </p:sp>
-      <p:sp>
-        <p:nvSpPr>
-          <p:cNvPr id="103" name="Google Shape;103;g6245813c3e_0_15"/>
-          <p:cNvSpPr/>
-          <p:nvPr/>
-        </p:nvSpPr>
-        <p:spPr>
-          <a:xfrm>
-            <a:off x="2852450" y="1371600"/>
-            <a:ext cx="183000" cy="182100"/>
-          </a:xfrm>
-          <a:prstGeom prst="ellipse">
-            <a:avLst/>
-          </a:prstGeom>
-          <a:solidFill>
-            <a:schemeClr val="lt2"/>
-          </a:solidFill>
-          <a:ln cap="flat" cmpd="sng" w="9525">
-            <a:solidFill>
-              <a:schemeClr val="dk2"/>
-            </a:solidFill>
-            <a:prstDash val="solid"/>
-            <a:round/>
-            <a:headEnd len="sm" w="sm" type="none"/>
-            <a:tailEnd len="sm" w="sm" type="none"/>
-          </a:ln>
-        </p:spPr>
-        <p:txBody>
-          <a:bodyPr anchorCtr="0" anchor="ctr" bIns="91425" lIns="91425" spcFirstLastPara="1" rIns="91425" wrap="square" tIns="91425">
-            <a:noAutofit/>
-          </a:bodyPr>
-          <a:lstStyle/>
           <a:p>
             <a:pPr indent="0" lvl="0" marL="0" marR="0" rtl="0" algn="l">
               <a:lnSpc>
@@ -11880,14 +13028,23 @@
                 <a:spcPts val="0"/>
               </a:spcAft>
               <a:buClr>
-                <a:srgbClr val="000000"/>
-              </a:buClr>
-              <a:buSzPts val="1400"/>
+                <a:schemeClr val="dk1"/>
+              </a:buClr>
+              <a:buSzPts val="1100"/>
               <a:buFont typeface="Arial"/>
               <a:buNone/>
             </a:pPr>
             <a:r>
-              <a:t/>
+              <a:rPr b="0" i="0" lang="en" sz="1400" u="none" cap="none" strike="noStrike">
+                <a:solidFill>
+                  <a:srgbClr val="000000"/>
+                </a:solidFill>
+                <a:latin typeface="Arial"/>
+                <a:ea typeface="Arial"/>
+                <a:cs typeface="Arial"/>
+                <a:sym typeface="Arial"/>
+              </a:rPr>
+              <a:t>git status</a:t>
             </a:r>
             <a:endParaRPr b="0" i="0" sz="1400" u="none" cap="none" strike="noStrike">
               <a:solidFill>
@@ -11899,47 +13056,305 @@
               <a:sym typeface="Arial"/>
             </a:endParaRPr>
           </a:p>
+          <a:p>
+            <a:pPr indent="0" lvl="0" marL="0" marR="0" rtl="0" algn="l">
+              <a:lnSpc>
+                <a:spcPct val="100000"/>
+              </a:lnSpc>
+              <a:spcBef>
+                <a:spcPts val="0"/>
+              </a:spcBef>
+              <a:spcAft>
+                <a:spcPts val="0"/>
+              </a:spcAft>
+              <a:buClr>
+                <a:schemeClr val="dk1"/>
+              </a:buClr>
+              <a:buSzPts val="1100"/>
+              <a:buFont typeface="Arial"/>
+              <a:buNone/>
+            </a:pPr>
+            <a:r>
+              <a:rPr b="0" i="0" lang="en" sz="1400" u="none" cap="none" strike="noStrike">
+                <a:solidFill>
+                  <a:srgbClr val="000000"/>
+                </a:solidFill>
+                <a:latin typeface="Arial"/>
+                <a:ea typeface="Arial"/>
+                <a:cs typeface="Arial"/>
+                <a:sym typeface="Arial"/>
+              </a:rPr>
+              <a:t>git add</a:t>
+            </a:r>
+            <a:endParaRPr b="0" i="0" sz="1400" u="none" cap="none" strike="noStrike">
+              <a:solidFill>
+                <a:srgbClr val="000000"/>
+              </a:solidFill>
+              <a:latin typeface="Arial"/>
+              <a:ea typeface="Arial"/>
+              <a:cs typeface="Arial"/>
+              <a:sym typeface="Arial"/>
+            </a:endParaRPr>
+          </a:p>
+          <a:p>
+            <a:pPr indent="0" lvl="0" marL="0" marR="0" rtl="0" algn="l">
+              <a:lnSpc>
+                <a:spcPct val="100000"/>
+              </a:lnSpc>
+              <a:spcBef>
+                <a:spcPts val="0"/>
+              </a:spcBef>
+              <a:spcAft>
+                <a:spcPts val="0"/>
+              </a:spcAft>
+              <a:buClr>
+                <a:schemeClr val="dk1"/>
+              </a:buClr>
+              <a:buSzPts val="1100"/>
+              <a:buFont typeface="Arial"/>
+              <a:buNone/>
+            </a:pPr>
+            <a:r>
+              <a:rPr b="0" i="0" lang="en" sz="1400" u="none" cap="none" strike="noStrike">
+                <a:solidFill>
+                  <a:srgbClr val="000000"/>
+                </a:solidFill>
+                <a:latin typeface="Arial"/>
+                <a:ea typeface="Arial"/>
+                <a:cs typeface="Arial"/>
+                <a:sym typeface="Arial"/>
+              </a:rPr>
+              <a:t>git diff --color-words</a:t>
+            </a:r>
+            <a:endParaRPr b="0" i="0" sz="1400" u="none" cap="none" strike="noStrike">
+              <a:solidFill>
+                <a:srgbClr val="000000"/>
+              </a:solidFill>
+              <a:latin typeface="Arial"/>
+              <a:ea typeface="Arial"/>
+              <a:cs typeface="Arial"/>
+              <a:sym typeface="Arial"/>
+            </a:endParaRPr>
+          </a:p>
+          <a:p>
+            <a:pPr indent="0" lvl="0" marL="0" marR="0" rtl="0" algn="l">
+              <a:lnSpc>
+                <a:spcPct val="100000"/>
+              </a:lnSpc>
+              <a:spcBef>
+                <a:spcPts val="0"/>
+              </a:spcBef>
+              <a:spcAft>
+                <a:spcPts val="0"/>
+              </a:spcAft>
+              <a:buClr>
+                <a:schemeClr val="dk1"/>
+              </a:buClr>
+              <a:buSzPts val="1100"/>
+              <a:buFont typeface="Arial"/>
+              <a:buNone/>
+            </a:pPr>
+            <a:r>
+              <a:rPr b="0" i="0" lang="en" sz="1400" u="none" cap="none" strike="noStrike">
+                <a:solidFill>
+                  <a:srgbClr val="000000"/>
+                </a:solidFill>
+                <a:latin typeface="Arial"/>
+                <a:ea typeface="Arial"/>
+                <a:cs typeface="Arial"/>
+                <a:sym typeface="Arial"/>
+              </a:rPr>
+              <a:t>git diff --help</a:t>
+            </a:r>
+            <a:endParaRPr b="0" i="0" sz="1400" u="none" cap="none" strike="noStrike">
+              <a:solidFill>
+                <a:srgbClr val="000000"/>
+              </a:solidFill>
+              <a:latin typeface="Arial"/>
+              <a:ea typeface="Arial"/>
+              <a:cs typeface="Arial"/>
+              <a:sym typeface="Arial"/>
+            </a:endParaRPr>
+          </a:p>
+          <a:p>
+            <a:pPr indent="0" lvl="0" marL="0" marR="0" rtl="0" algn="l">
+              <a:lnSpc>
+                <a:spcPct val="100000"/>
+              </a:lnSpc>
+              <a:spcBef>
+                <a:spcPts val="0"/>
+              </a:spcBef>
+              <a:spcAft>
+                <a:spcPts val="0"/>
+              </a:spcAft>
+              <a:buClr>
+                <a:schemeClr val="dk1"/>
+              </a:buClr>
+              <a:buSzPts val="1100"/>
+              <a:buFont typeface="Arial"/>
+              <a:buNone/>
+            </a:pPr>
+            <a:r>
+              <a:rPr b="0" i="0" lang="en" sz="1400" u="none" cap="none" strike="noStrike">
+                <a:solidFill>
+                  <a:srgbClr val="000000"/>
+                </a:solidFill>
+                <a:latin typeface="Arial"/>
+                <a:ea typeface="Arial"/>
+                <a:cs typeface="Arial"/>
+                <a:sym typeface="Arial"/>
+              </a:rPr>
+              <a:t>git commit</a:t>
+            </a:r>
+            <a:endParaRPr b="0" i="0" sz="1400" u="none" cap="none" strike="noStrike">
+              <a:solidFill>
+                <a:srgbClr val="000000"/>
+              </a:solidFill>
+              <a:latin typeface="Arial"/>
+              <a:ea typeface="Arial"/>
+              <a:cs typeface="Arial"/>
+              <a:sym typeface="Arial"/>
+            </a:endParaRPr>
+          </a:p>
+          <a:p>
+            <a:pPr indent="0" lvl="0" marL="0" rtl="0" algn="l">
+              <a:spcBef>
+                <a:spcPts val="0"/>
+              </a:spcBef>
+              <a:spcAft>
+                <a:spcPts val="0"/>
+              </a:spcAft>
+              <a:buClr>
+                <a:schemeClr val="dk1"/>
+              </a:buClr>
+              <a:buSzPts val="1100"/>
+              <a:buFont typeface="Arial"/>
+              <a:buNone/>
+            </a:pPr>
+            <a:r>
+              <a:rPr lang="en">
+                <a:solidFill>
+                  <a:schemeClr val="dk1"/>
+                </a:solidFill>
+              </a:rPr>
+              <a:t>git commit -m</a:t>
+            </a:r>
+            <a:endParaRPr>
+              <a:solidFill>
+                <a:schemeClr val="dk1"/>
+              </a:solidFill>
+            </a:endParaRPr>
+          </a:p>
+          <a:p>
+            <a:pPr indent="0" lvl="0" marL="0" rtl="0" algn="l">
+              <a:spcBef>
+                <a:spcPts val="0"/>
+              </a:spcBef>
+              <a:spcAft>
+                <a:spcPts val="0"/>
+              </a:spcAft>
+              <a:buClr>
+                <a:schemeClr val="dk1"/>
+              </a:buClr>
+              <a:buSzPts val="1100"/>
+              <a:buFont typeface="Arial"/>
+              <a:buNone/>
+            </a:pPr>
+            <a:r>
+              <a:rPr lang="en">
+                <a:solidFill>
+                  <a:schemeClr val="dk1"/>
+                </a:solidFill>
+              </a:rPr>
+              <a:t>git commit -am</a:t>
+            </a:r>
+            <a:endParaRPr>
+              <a:solidFill>
+                <a:schemeClr val="dk1"/>
+              </a:solidFill>
+            </a:endParaRPr>
+          </a:p>
+          <a:p>
+            <a:pPr indent="0" lvl="0" marL="0" rtl="0" algn="l">
+              <a:spcBef>
+                <a:spcPts val="0"/>
+              </a:spcBef>
+              <a:spcAft>
+                <a:spcPts val="0"/>
+              </a:spcAft>
+              <a:buClr>
+                <a:schemeClr val="dk1"/>
+              </a:buClr>
+              <a:buSzPts val="1100"/>
+              <a:buFont typeface="Arial"/>
+              <a:buNone/>
+            </a:pPr>
+            <a:r>
+              <a:rPr lang="en">
+                <a:solidFill>
+                  <a:schemeClr val="dk1"/>
+                </a:solidFill>
+              </a:rPr>
+              <a:t>git log</a:t>
+            </a:r>
+            <a:endParaRPr>
+              <a:solidFill>
+                <a:schemeClr val="dk1"/>
+              </a:solidFill>
+            </a:endParaRPr>
+          </a:p>
+          <a:p>
+            <a:pPr indent="0" lvl="0" marL="0" marR="0" rtl="0" algn="l">
+              <a:lnSpc>
+                <a:spcPct val="100000"/>
+              </a:lnSpc>
+              <a:spcBef>
+                <a:spcPts val="0"/>
+              </a:spcBef>
+              <a:spcAft>
+                <a:spcPts val="0"/>
+              </a:spcAft>
+              <a:buClr>
+                <a:srgbClr val="000000"/>
+              </a:buClr>
+              <a:buSzPts val="1400"/>
+              <a:buFont typeface="Arial"/>
+              <a:buNone/>
+            </a:pPr>
+            <a:r>
+              <a:rPr b="0" i="0" lang="en" sz="1400" u="none" cap="none" strike="noStrike">
+                <a:solidFill>
+                  <a:srgbClr val="000000"/>
+                </a:solidFill>
+                <a:latin typeface="Arial"/>
+                <a:ea typeface="Arial"/>
+                <a:cs typeface="Arial"/>
+                <a:sym typeface="Arial"/>
+              </a:rPr>
+              <a:t>git commit --amend</a:t>
+            </a:r>
+            <a:endParaRPr b="0" i="0" sz="1400" u="none" cap="none" strike="noStrike">
+              <a:solidFill>
+                <a:srgbClr val="000000"/>
+              </a:solidFill>
+              <a:latin typeface="Arial"/>
+              <a:ea typeface="Arial"/>
+              <a:cs typeface="Arial"/>
+              <a:sym typeface="Arial"/>
+            </a:endParaRPr>
+          </a:p>
         </p:txBody>
       </p:sp>
-      <p:cxnSp>
-        <p:nvCxnSpPr>
-          <p:cNvPr id="104" name="Google Shape;104;g6245813c3e_0_15"/>
-          <p:cNvCxnSpPr>
-            <a:stCxn id="102" idx="4"/>
-            <a:endCxn id="103" idx="0"/>
-          </p:cNvCxnSpPr>
-          <p:nvPr/>
-        </p:nvCxnSpPr>
-        <p:spPr>
-          <a:xfrm>
-            <a:off x="2943950" y="1096500"/>
-            <a:ext cx="0" cy="275100"/>
-          </a:xfrm>
-          <a:prstGeom prst="straightConnector1">
-            <a:avLst/>
-          </a:prstGeom>
-          <a:noFill/>
-          <a:ln cap="flat" cmpd="sng" w="9525">
-            <a:solidFill>
-              <a:schemeClr val="dk2"/>
-            </a:solidFill>
-            <a:prstDash val="solid"/>
-            <a:round/>
-            <a:headEnd len="sm" w="sm" type="none"/>
-            <a:tailEnd len="sm" w="sm" type="none"/>
-          </a:ln>
-        </p:spPr>
-      </p:cxnSp>
       <p:sp>
         <p:nvSpPr>
-          <p:cNvPr id="105" name="Google Shape;105;g6245813c3e_0_15"/>
+          <p:cNvPr id="104" name="Google Shape;104;g6245813c3e_0_15"/>
           <p:cNvSpPr txBox="1"/>
           <p:nvPr/>
         </p:nvSpPr>
         <p:spPr>
           <a:xfrm>
-            <a:off x="3111500" y="868350"/>
-            <a:ext cx="1097400" cy="274200"/>
+            <a:off x="2709700" y="742875"/>
+            <a:ext cx="6434100" cy="3905400"/>
           </a:xfrm>
           <a:prstGeom prst="rect">
             <a:avLst/>
@@ -11950,613 +13365,264 @@
           </a:ln>
         </p:spPr>
         <p:txBody>
-          <a:bodyPr anchorCtr="0" anchor="t" bIns="0" lIns="0" spcFirstLastPara="1" rIns="0" wrap="square" tIns="0">
-            <a:noAutofit/>
-          </a:bodyPr>
-          <a:lstStyle/>
-          <a:p>
-            <a:pPr indent="0" lvl="0" marL="0" marR="0" rtl="0" algn="l">
-              <a:lnSpc>
-                <a:spcPct val="100000"/>
-              </a:lnSpc>
-              <a:spcBef>
-                <a:spcPts val="0"/>
-              </a:spcBef>
-              <a:spcAft>
-                <a:spcPts val="0"/>
-              </a:spcAft>
-              <a:buClr>
-                <a:srgbClr val="000000"/>
-              </a:buClr>
-              <a:buSzPts val="1400"/>
-              <a:buFont typeface="Arial"/>
-              <a:buNone/>
-            </a:pPr>
-            <a:r>
-              <a:rPr b="0" i="0" lang="en" sz="1400" u="none" cap="none" strike="noStrike">
-                <a:solidFill>
-                  <a:srgbClr val="000000"/>
-                </a:solidFill>
-                <a:latin typeface="Arial"/>
-                <a:ea typeface="Arial"/>
-                <a:cs typeface="Arial"/>
-                <a:sym typeface="Arial"/>
-              </a:rPr>
-              <a:t>Initial commit</a:t>
-            </a:r>
-            <a:endParaRPr b="0" i="0" sz="1400" u="none" cap="none" strike="noStrike">
-              <a:solidFill>
-                <a:srgbClr val="000000"/>
-              </a:solidFill>
-              <a:latin typeface="Arial"/>
-              <a:ea typeface="Arial"/>
-              <a:cs typeface="Arial"/>
-              <a:sym typeface="Arial"/>
-            </a:endParaRPr>
-          </a:p>
-        </p:txBody>
-      </p:sp>
-      <p:sp>
-        <p:nvSpPr>
-          <p:cNvPr id="106" name="Google Shape;106;g6245813c3e_0_15"/>
-          <p:cNvSpPr/>
-          <p:nvPr/>
-        </p:nvSpPr>
-        <p:spPr>
-          <a:xfrm>
-            <a:off x="2852450" y="1828800"/>
-            <a:ext cx="183000" cy="182100"/>
-          </a:xfrm>
-          <a:prstGeom prst="ellipse">
-            <a:avLst/>
-          </a:prstGeom>
-          <a:solidFill>
-            <a:schemeClr val="lt2"/>
-          </a:solidFill>
-          <a:ln cap="flat" cmpd="sng" w="9525">
-            <a:solidFill>
-              <a:schemeClr val="dk2"/>
-            </a:solidFill>
-            <a:prstDash val="solid"/>
-            <a:round/>
-            <a:headEnd len="sm" w="sm" type="none"/>
-            <a:tailEnd len="sm" w="sm" type="none"/>
-          </a:ln>
-        </p:spPr>
-        <p:txBody>
-          <a:bodyPr anchorCtr="0" anchor="ctr" bIns="91425" lIns="91425" spcFirstLastPara="1" rIns="91425" wrap="square" tIns="91425">
-            <a:noAutofit/>
-          </a:bodyPr>
-          <a:lstStyle/>
-          <a:p>
-            <a:pPr indent="0" lvl="0" marL="0" marR="0" rtl="0" algn="l">
-              <a:lnSpc>
-                <a:spcPct val="100000"/>
-              </a:lnSpc>
-              <a:spcBef>
-                <a:spcPts val="0"/>
-              </a:spcBef>
-              <a:spcAft>
-                <a:spcPts val="0"/>
-              </a:spcAft>
-              <a:buClr>
-                <a:srgbClr val="000000"/>
-              </a:buClr>
-              <a:buSzPts val="1400"/>
-              <a:buFont typeface="Arial"/>
-              <a:buNone/>
-            </a:pPr>
-            <a:r>
-              <a:t/>
-            </a:r>
-            <a:endParaRPr b="0" i="0" sz="1400" u="none" cap="none" strike="noStrike">
-              <a:solidFill>
-                <a:srgbClr val="000000"/>
-              </a:solidFill>
-              <a:latin typeface="Arial"/>
-              <a:ea typeface="Arial"/>
-              <a:cs typeface="Arial"/>
-              <a:sym typeface="Arial"/>
-            </a:endParaRPr>
-          </a:p>
-        </p:txBody>
-      </p:sp>
-      <p:sp>
-        <p:nvSpPr>
-          <p:cNvPr id="107" name="Google Shape;107;g6245813c3e_0_15"/>
-          <p:cNvSpPr txBox="1"/>
-          <p:nvPr/>
-        </p:nvSpPr>
-        <p:spPr>
-          <a:xfrm>
-            <a:off x="3111500" y="1325550"/>
-            <a:ext cx="1097400" cy="274200"/>
-          </a:xfrm>
-          <a:prstGeom prst="rect">
-            <a:avLst/>
-          </a:prstGeom>
-          <a:noFill/>
-          <a:ln>
-            <a:noFill/>
-          </a:ln>
-        </p:spPr>
-        <p:txBody>
-          <a:bodyPr anchorCtr="0" anchor="t" bIns="0" lIns="0" spcFirstLastPara="1" rIns="0" wrap="square" tIns="0">
-            <a:noAutofit/>
-          </a:bodyPr>
-          <a:lstStyle/>
-          <a:p>
-            <a:pPr indent="0" lvl="0" marL="0" marR="0" rtl="0" algn="l">
-              <a:lnSpc>
-                <a:spcPct val="100000"/>
-              </a:lnSpc>
-              <a:spcBef>
-                <a:spcPts val="0"/>
-              </a:spcBef>
-              <a:spcAft>
-                <a:spcPts val="0"/>
-              </a:spcAft>
-              <a:buClr>
-                <a:srgbClr val="000000"/>
-              </a:buClr>
-              <a:buSzPts val="1400"/>
-              <a:buFont typeface="Arial"/>
-              <a:buNone/>
-            </a:pPr>
-            <a:r>
-              <a:rPr b="0" i="0" lang="en" sz="1400" u="none" cap="none" strike="noStrike">
-                <a:solidFill>
-                  <a:srgbClr val="000000"/>
-                </a:solidFill>
-                <a:latin typeface="Arial"/>
-                <a:ea typeface="Arial"/>
-                <a:cs typeface="Arial"/>
-                <a:sym typeface="Arial"/>
-              </a:rPr>
-              <a:t>Wijziging 1</a:t>
-            </a:r>
-            <a:endParaRPr b="0" i="0" sz="1400" u="none" cap="none" strike="noStrike">
-              <a:solidFill>
-                <a:srgbClr val="000000"/>
-              </a:solidFill>
-              <a:latin typeface="Arial"/>
-              <a:ea typeface="Arial"/>
-              <a:cs typeface="Arial"/>
-              <a:sym typeface="Arial"/>
-            </a:endParaRPr>
-          </a:p>
-        </p:txBody>
-      </p:sp>
-      <p:sp>
-        <p:nvSpPr>
-          <p:cNvPr id="108" name="Google Shape;108;g6245813c3e_0_15"/>
-          <p:cNvSpPr txBox="1"/>
-          <p:nvPr/>
-        </p:nvSpPr>
-        <p:spPr>
-          <a:xfrm>
-            <a:off x="3111500" y="1782750"/>
-            <a:ext cx="1097400" cy="274200"/>
-          </a:xfrm>
-          <a:prstGeom prst="rect">
-            <a:avLst/>
-          </a:prstGeom>
-          <a:noFill/>
-          <a:ln>
-            <a:noFill/>
-          </a:ln>
-        </p:spPr>
-        <p:txBody>
-          <a:bodyPr anchorCtr="0" anchor="t" bIns="0" lIns="0" spcFirstLastPara="1" rIns="0" wrap="square" tIns="0">
-            <a:noAutofit/>
-          </a:bodyPr>
-          <a:lstStyle/>
-          <a:p>
-            <a:pPr indent="0" lvl="0" marL="0" marR="0" rtl="0" algn="l">
-              <a:lnSpc>
-                <a:spcPct val="100000"/>
-              </a:lnSpc>
-              <a:spcBef>
-                <a:spcPts val="0"/>
-              </a:spcBef>
-              <a:spcAft>
-                <a:spcPts val="0"/>
-              </a:spcAft>
-              <a:buClr>
-                <a:srgbClr val="000000"/>
-              </a:buClr>
-              <a:buSzPts val="1400"/>
-              <a:buFont typeface="Arial"/>
-              <a:buNone/>
-            </a:pPr>
-            <a:r>
-              <a:rPr lang="en"/>
-              <a:t>Dit is beter</a:t>
-            </a:r>
-            <a:endParaRPr b="0" i="0" sz="1400" u="none" cap="none" strike="noStrike">
-              <a:solidFill>
-                <a:srgbClr val="000000"/>
-              </a:solidFill>
-              <a:latin typeface="Arial"/>
-              <a:ea typeface="Arial"/>
-              <a:cs typeface="Arial"/>
-              <a:sym typeface="Arial"/>
-            </a:endParaRPr>
-          </a:p>
-        </p:txBody>
-      </p:sp>
-      <p:sp>
-        <p:nvSpPr>
-          <p:cNvPr id="109" name="Google Shape;109;g6245813c3e_0_15"/>
-          <p:cNvSpPr txBox="1"/>
-          <p:nvPr/>
-        </p:nvSpPr>
-        <p:spPr>
-          <a:xfrm>
-            <a:off x="2201350" y="1828800"/>
-            <a:ext cx="479700" cy="182100"/>
-          </a:xfrm>
-          <a:prstGeom prst="rect">
-            <a:avLst/>
-          </a:prstGeom>
-          <a:solidFill>
-            <a:srgbClr val="DD7E6B"/>
-          </a:solidFill>
-          <a:ln>
-            <a:noFill/>
-          </a:ln>
-        </p:spPr>
-        <p:txBody>
-          <a:bodyPr anchorCtr="0" anchor="t" bIns="0" lIns="0" spcFirstLastPara="1" rIns="0" wrap="square" tIns="0">
-            <a:noAutofit/>
-          </a:bodyPr>
-          <a:lstStyle/>
-          <a:p>
-            <a:pPr indent="0" lvl="0" marL="0" marR="0" rtl="0" algn="ctr">
-              <a:lnSpc>
-                <a:spcPct val="100000"/>
-              </a:lnSpc>
-              <a:spcBef>
-                <a:spcPts val="0"/>
-              </a:spcBef>
-              <a:spcAft>
-                <a:spcPts val="0"/>
-              </a:spcAft>
-              <a:buClr>
-                <a:srgbClr val="000000"/>
-              </a:buClr>
-              <a:buSzPts val="900"/>
-              <a:buFont typeface="Arial"/>
-              <a:buNone/>
-            </a:pPr>
-            <a:r>
-              <a:rPr b="0" i="0" lang="en" sz="900" u="none" cap="none" strike="noStrike">
-                <a:solidFill>
-                  <a:srgbClr val="000000"/>
-                </a:solidFill>
-                <a:latin typeface="Arial"/>
-                <a:ea typeface="Arial"/>
-                <a:cs typeface="Arial"/>
-                <a:sym typeface="Arial"/>
-              </a:rPr>
-              <a:t>master</a:t>
-            </a:r>
-            <a:endParaRPr b="0" i="0" sz="900" u="none" cap="none" strike="noStrike">
-              <a:solidFill>
-                <a:srgbClr val="000000"/>
-              </a:solidFill>
-              <a:latin typeface="Arial"/>
-              <a:ea typeface="Arial"/>
-              <a:cs typeface="Arial"/>
-              <a:sym typeface="Arial"/>
-            </a:endParaRPr>
-          </a:p>
-        </p:txBody>
-      </p:sp>
-      <p:cxnSp>
-        <p:nvCxnSpPr>
-          <p:cNvPr id="110" name="Google Shape;110;g6245813c3e_0_15"/>
-          <p:cNvCxnSpPr>
-            <a:stCxn id="103" idx="4"/>
-            <a:endCxn id="106" idx="0"/>
-          </p:cNvCxnSpPr>
-          <p:nvPr/>
-        </p:nvCxnSpPr>
-        <p:spPr>
-          <a:xfrm>
-            <a:off x="2943950" y="1553700"/>
-            <a:ext cx="0" cy="275100"/>
-          </a:xfrm>
-          <a:prstGeom prst="straightConnector1">
-            <a:avLst/>
-          </a:prstGeom>
-          <a:noFill/>
-          <a:ln cap="flat" cmpd="sng" w="9525">
-            <a:solidFill>
-              <a:schemeClr val="dk2"/>
-            </a:solidFill>
-            <a:prstDash val="solid"/>
-            <a:round/>
-            <a:headEnd len="sm" w="sm" type="none"/>
-            <a:tailEnd len="sm" w="sm" type="none"/>
-          </a:ln>
-        </p:spPr>
-      </p:cxnSp>
-      <p:sp>
-        <p:nvSpPr>
-          <p:cNvPr id="111" name="Google Shape;111;g6245813c3e_0_15"/>
-          <p:cNvSpPr txBox="1"/>
-          <p:nvPr/>
-        </p:nvSpPr>
-        <p:spPr>
-          <a:xfrm>
-            <a:off x="0" y="0"/>
-            <a:ext cx="9144000" cy="474000"/>
-          </a:xfrm>
-          <a:prstGeom prst="rect">
-            <a:avLst/>
-          </a:prstGeom>
-          <a:solidFill>
-            <a:srgbClr val="D9D9D9"/>
-          </a:solidFill>
-          <a:ln>
-            <a:noFill/>
-          </a:ln>
-        </p:spPr>
-        <p:txBody>
-          <a:bodyPr anchorCtr="0" anchor="t" bIns="91425" lIns="91425" spcFirstLastPara="1" rIns="91425" wrap="square" tIns="137150">
-            <a:noAutofit/>
-          </a:bodyPr>
-          <a:lstStyle/>
-          <a:p>
-            <a:pPr indent="0" lvl="0" marL="0" marR="0" rtl="0" algn="ctr">
-              <a:lnSpc>
-                <a:spcPct val="100000"/>
-              </a:lnSpc>
-              <a:spcBef>
-                <a:spcPts val="0"/>
-              </a:spcBef>
-              <a:spcAft>
-                <a:spcPts val="0"/>
-              </a:spcAft>
-              <a:buClr>
-                <a:srgbClr val="000000"/>
-              </a:buClr>
-              <a:buSzPts val="1400"/>
-              <a:buFont typeface="Arial"/>
-              <a:buNone/>
-            </a:pPr>
-            <a:r>
-              <a:rPr b="0" i="0" lang="en" sz="1400" u="none" cap="none" strike="noStrike">
-                <a:solidFill>
-                  <a:srgbClr val="000000"/>
-                </a:solidFill>
-                <a:latin typeface="Arial"/>
-                <a:ea typeface="Arial"/>
-                <a:cs typeface="Arial"/>
-                <a:sym typeface="Arial"/>
-              </a:rPr>
-              <a:t>COMMIT</a:t>
-            </a:r>
-            <a:endParaRPr b="0" i="0" sz="1400" u="none" cap="none" strike="noStrike">
-              <a:solidFill>
-                <a:srgbClr val="000000"/>
-              </a:solidFill>
-              <a:latin typeface="Arial"/>
-              <a:ea typeface="Arial"/>
-              <a:cs typeface="Arial"/>
-              <a:sym typeface="Arial"/>
-            </a:endParaRPr>
-          </a:p>
-        </p:txBody>
-      </p:sp>
-      <p:sp>
-        <p:nvSpPr>
-          <p:cNvPr id="112" name="Google Shape;112;g6245813c3e_0_15"/>
-          <p:cNvSpPr txBox="1"/>
-          <p:nvPr/>
-        </p:nvSpPr>
-        <p:spPr>
-          <a:xfrm>
-            <a:off x="6615075" y="868350"/>
-            <a:ext cx="1875000" cy="2515200"/>
-          </a:xfrm>
-          <a:prstGeom prst="rect">
-            <a:avLst/>
-          </a:prstGeom>
-          <a:solidFill>
-            <a:srgbClr val="CFE2F3"/>
-          </a:solidFill>
-          <a:ln cap="flat" cmpd="sng" w="9525">
-            <a:solidFill>
-              <a:srgbClr val="000000"/>
-            </a:solidFill>
-            <a:prstDash val="solid"/>
-            <a:round/>
-            <a:headEnd len="sm" w="sm" type="none"/>
-            <a:tailEnd len="sm" w="sm" type="none"/>
-          </a:ln>
-        </p:spPr>
-        <p:txBody>
           <a:bodyPr anchorCtr="0" anchor="t" bIns="91425" lIns="91425" spcFirstLastPara="1" rIns="91425" wrap="square" tIns="91425">
             <a:noAutofit/>
           </a:bodyPr>
           <a:lstStyle/>
           <a:p>
-            <a:pPr indent="0" lvl="0" marL="0" rtl="0" algn="l">
-              <a:spcBef>
-                <a:spcPts val="0"/>
-              </a:spcBef>
-              <a:spcAft>
-                <a:spcPts val="0"/>
-              </a:spcAft>
-              <a:buNone/>
+            <a:pPr indent="-330200" lvl="0" marL="457200" rtl="0" algn="l">
+              <a:spcBef>
+                <a:spcPts val="0"/>
+              </a:spcBef>
+              <a:spcAft>
+                <a:spcPts val="0"/>
+              </a:spcAft>
+              <a:buSzPts val="1600"/>
+              <a:buChar char="●"/>
             </a:pPr>
             <a:r>
-              <a:rPr lang="en"/>
-              <a:t>git init</a:t>
+              <a:rPr lang="en" sz="1600"/>
+              <a:t>maak lokale repository</a:t>
             </a:r>
-            <a:endParaRPr/>
-          </a:p>
-          <a:p>
-            <a:pPr indent="0" lvl="0" marL="0" rtl="0" algn="l">
-              <a:spcBef>
-                <a:spcPts val="0"/>
-              </a:spcBef>
-              <a:spcAft>
-                <a:spcPts val="0"/>
-              </a:spcAft>
-              <a:buNone/>
+            <a:endParaRPr sz="1600"/>
+          </a:p>
+          <a:p>
+            <a:pPr indent="-330200" lvl="0" marL="457200" rtl="0" algn="l">
+              <a:spcBef>
+                <a:spcPts val="0"/>
+              </a:spcBef>
+              <a:spcAft>
+                <a:spcPts val="0"/>
+              </a:spcAft>
+              <a:buSzPts val="1600"/>
+              <a:buChar char="●"/>
             </a:pPr>
             <a:r>
-              <a:rPr lang="en"/>
-              <a:t>git status</a:t>
+              <a:rPr lang="en" sz="1600"/>
+              <a:t>vraag regelmatig status op</a:t>
             </a:r>
-            <a:endParaRPr/>
-          </a:p>
-          <a:p>
-            <a:pPr indent="0" lvl="0" marL="0" rtl="0" algn="l">
-              <a:spcBef>
-                <a:spcPts val="0"/>
-              </a:spcBef>
-              <a:spcAft>
-                <a:spcPts val="0"/>
-              </a:spcAft>
-              <a:buNone/>
+            <a:endParaRPr sz="1600"/>
+          </a:p>
+          <a:p>
+            <a:pPr indent="-330200" lvl="0" marL="457200" rtl="0" algn="l">
+              <a:spcBef>
+                <a:spcPts val="0"/>
+              </a:spcBef>
+              <a:spcAft>
+                <a:spcPts val="0"/>
+              </a:spcAft>
+              <a:buSzPts val="1600"/>
+              <a:buChar char="●"/>
             </a:pPr>
             <a:r>
-              <a:rPr lang="en"/>
-              <a:t>git add</a:t>
+              <a:rPr lang="en" sz="1600"/>
+              <a:t>lees de complete status tekst</a:t>
             </a:r>
-            <a:endParaRPr/>
-          </a:p>
-          <a:p>
-            <a:pPr indent="0" lvl="0" marL="0" rtl="0" algn="l">
-              <a:spcBef>
-                <a:spcPts val="0"/>
-              </a:spcBef>
-              <a:spcAft>
-                <a:spcPts val="0"/>
-              </a:spcAft>
-              <a:buNone/>
+            <a:endParaRPr sz="1600"/>
+          </a:p>
+          <a:p>
+            <a:pPr indent="-330200" lvl="0" marL="457200" rtl="0" algn="l">
+              <a:spcBef>
+                <a:spcPts val="0"/>
+              </a:spcBef>
+              <a:spcAft>
+                <a:spcPts val="0"/>
+              </a:spcAft>
+              <a:buSzPts val="1600"/>
+              <a:buChar char="●"/>
             </a:pPr>
             <a:r>
-              <a:rPr lang="en"/>
-              <a:t>git diff --color-words</a:t>
+              <a:rPr lang="en" sz="1600"/>
+              <a:t>maak bestanden</a:t>
             </a:r>
-            <a:endParaRPr/>
-          </a:p>
-          <a:p>
-            <a:pPr indent="0" lvl="0" marL="0" rtl="0" algn="l">
-              <a:spcBef>
-                <a:spcPts val="0"/>
-              </a:spcBef>
-              <a:spcAft>
-                <a:spcPts val="0"/>
-              </a:spcAft>
-              <a:buNone/>
+            <a:endParaRPr sz="1600"/>
+          </a:p>
+          <a:p>
+            <a:pPr indent="-330200" lvl="0" marL="457200" rtl="0" algn="l">
+              <a:spcBef>
+                <a:spcPts val="0"/>
+              </a:spcBef>
+              <a:spcAft>
+                <a:spcPts val="0"/>
+              </a:spcAft>
+              <a:buSzPts val="1600"/>
+              <a:buChar char="●"/>
             </a:pPr>
             <a:r>
-              <a:rPr lang="en"/>
-              <a:t>git diff --help</a:t>
+              <a:rPr lang="en" sz="1600"/>
+              <a:t>maak ze bekend bij Git</a:t>
             </a:r>
-            <a:endParaRPr/>
-          </a:p>
-          <a:p>
-            <a:pPr indent="0" lvl="0" marL="0" rtl="0" algn="l">
-              <a:spcBef>
-                <a:spcPts val="0"/>
-              </a:spcBef>
-              <a:spcAft>
-                <a:spcPts val="0"/>
-              </a:spcAft>
-              <a:buNone/>
+            <a:endParaRPr sz="1600"/>
+          </a:p>
+          <a:p>
+            <a:pPr indent="-330200" lvl="0" marL="457200" rtl="0" algn="l">
+              <a:spcBef>
+                <a:spcPts val="0"/>
+              </a:spcBef>
+              <a:spcAft>
+                <a:spcPts val="0"/>
+              </a:spcAft>
+              <a:buSzPts val="1600"/>
+              <a:buChar char="●"/>
             </a:pPr>
             <a:r>
-              <a:rPr lang="en"/>
-              <a:t>git commit -m</a:t>
+              <a:rPr lang="en" sz="1600"/>
+              <a:t>stage bestanden</a:t>
             </a:r>
-            <a:endParaRPr/>
-          </a:p>
-          <a:p>
-            <a:pPr indent="0" lvl="0" marL="0" rtl="0" algn="l">
-              <a:spcBef>
-                <a:spcPts val="0"/>
-              </a:spcBef>
-              <a:spcAft>
-                <a:spcPts val="0"/>
-              </a:spcAft>
-              <a:buNone/>
+            <a:endParaRPr sz="1600"/>
+          </a:p>
+          <a:p>
+            <a:pPr indent="-330200" lvl="0" marL="457200" rtl="0" algn="l">
+              <a:spcBef>
+                <a:spcPts val="0"/>
+              </a:spcBef>
+              <a:spcAft>
+                <a:spcPts val="0"/>
+              </a:spcAft>
+              <a:buSzPts val="1600"/>
+              <a:buChar char="●"/>
             </a:pPr>
             <a:r>
-              <a:rPr lang="en"/>
-              <a:t>git commit</a:t>
+              <a:rPr lang="en" sz="1600"/>
+              <a:t>unstage bestanden</a:t>
             </a:r>
-            <a:endParaRPr/>
-          </a:p>
-          <a:p>
-            <a:pPr indent="0" lvl="0" marL="0" rtl="0" algn="l">
-              <a:spcBef>
-                <a:spcPts val="0"/>
-              </a:spcBef>
-              <a:spcAft>
-                <a:spcPts val="0"/>
-              </a:spcAft>
-              <a:buNone/>
+            <a:endParaRPr sz="1600"/>
+          </a:p>
+          <a:p>
+            <a:pPr indent="-330200" lvl="0" marL="457200" rtl="0" algn="l">
+              <a:spcBef>
+                <a:spcPts val="0"/>
+              </a:spcBef>
+              <a:spcAft>
+                <a:spcPts val="0"/>
+              </a:spcAft>
+              <a:buSzPts val="1600"/>
+              <a:buChar char="●"/>
             </a:pPr>
             <a:r>
-              <a:rPr lang="en"/>
-              <a:t>git log</a:t>
+              <a:rPr lang="en" sz="1600"/>
+              <a:t>commit bestanden</a:t>
             </a:r>
-            <a:endParaRPr/>
-          </a:p>
-          <a:p>
-            <a:pPr indent="0" lvl="0" marL="0" rtl="0" algn="l">
-              <a:spcBef>
-                <a:spcPts val="0"/>
-              </a:spcBef>
-              <a:spcAft>
-                <a:spcPts val="0"/>
-              </a:spcAft>
-              <a:buNone/>
+            <a:endParaRPr sz="1600"/>
+          </a:p>
+          <a:p>
+            <a:pPr indent="-330200" lvl="0" marL="457200" rtl="0" algn="l">
+              <a:spcBef>
+                <a:spcPts val="0"/>
+              </a:spcBef>
+              <a:spcAft>
+                <a:spcPts val="0"/>
+              </a:spcAft>
+              <a:buSzPts val="1600"/>
+              <a:buChar char="●"/>
             </a:pPr>
             <a:r>
-              <a:rPr lang="en"/>
-              <a:t>git commit -am</a:t>
+              <a:rPr lang="en" sz="1600"/>
+              <a:t>vraag log op</a:t>
             </a:r>
-            <a:endParaRPr/>
-          </a:p>
-          <a:p>
-            <a:pPr indent="0" lvl="0" marL="0" rtl="0" algn="l">
-              <a:spcBef>
-                <a:spcPts val="0"/>
-              </a:spcBef>
-              <a:spcAft>
-                <a:spcPts val="0"/>
-              </a:spcAft>
-              <a:buNone/>
+            <a:endParaRPr sz="1600"/>
+          </a:p>
+          <a:p>
+            <a:pPr indent="-330200" lvl="0" marL="457200" rtl="0" algn="l">
+              <a:spcBef>
+                <a:spcPts val="0"/>
+              </a:spcBef>
+              <a:spcAft>
+                <a:spcPts val="0"/>
+              </a:spcAft>
+              <a:buSzPts val="1600"/>
+              <a:buChar char="●"/>
             </a:pPr>
             <a:r>
-              <a:rPr lang="en"/>
-              <a:t>git reset HEAD^</a:t>
+              <a:rPr lang="en" sz="1600"/>
+              <a:t>wijzig bestanden</a:t>
             </a:r>
-            <a:endParaRPr/>
-          </a:p>
-          <a:p>
-            <a:pPr indent="0" lvl="0" marL="0" rtl="0" algn="l">
-              <a:spcBef>
-                <a:spcPts val="0"/>
-              </a:spcBef>
-              <a:spcAft>
-                <a:spcPts val="0"/>
-              </a:spcAft>
-              <a:buNone/>
+            <a:endParaRPr sz="1600"/>
+          </a:p>
+          <a:p>
+            <a:pPr indent="-330200" lvl="0" marL="457200" rtl="0" algn="l">
+              <a:spcBef>
+                <a:spcPts val="0"/>
+              </a:spcBef>
+              <a:spcAft>
+                <a:spcPts val="0"/>
+              </a:spcAft>
+              <a:buSzPts val="1600"/>
+              <a:buChar char="●"/>
             </a:pPr>
             <a:r>
-              <a:rPr lang="en"/>
-              <a:t>git commit --amend</a:t>
+              <a:rPr lang="en" sz="1600"/>
+              <a:t>vraag wijzigingen op</a:t>
             </a:r>
-            <a:endParaRPr/>
+            <a:endParaRPr sz="1600"/>
+          </a:p>
+          <a:p>
+            <a:pPr indent="-330200" lvl="0" marL="457200" rtl="0" algn="l">
+              <a:spcBef>
+                <a:spcPts val="0"/>
+              </a:spcBef>
+              <a:spcAft>
+                <a:spcPts val="0"/>
+              </a:spcAft>
+              <a:buSzPts val="1600"/>
+              <a:buChar char="●"/>
+            </a:pPr>
+            <a:r>
+              <a:rPr lang="en" sz="1600"/>
+              <a:t>maak meerdere bestanden</a:t>
+            </a:r>
+            <a:endParaRPr sz="1600"/>
+          </a:p>
+          <a:p>
+            <a:pPr indent="-330200" lvl="0" marL="457200" rtl="0" algn="l">
+              <a:spcBef>
+                <a:spcPts val="0"/>
+              </a:spcBef>
+              <a:spcAft>
+                <a:spcPts val="0"/>
+              </a:spcAft>
+              <a:buSzPts val="1600"/>
+              <a:buChar char="●"/>
+            </a:pPr>
+            <a:r>
+              <a:rPr lang="en" sz="1600"/>
+              <a:t>stage slechts één daarvan en commit(atomic commit)</a:t>
+            </a:r>
+            <a:endParaRPr sz="1600"/>
+          </a:p>
+          <a:p>
+            <a:pPr indent="-330200" lvl="0" marL="457200" rtl="0" algn="l">
+              <a:spcBef>
+                <a:spcPts val="0"/>
+              </a:spcBef>
+              <a:spcAft>
+                <a:spcPts val="0"/>
+              </a:spcAft>
+              <a:buSzPts val="1600"/>
+              <a:buChar char="●"/>
+            </a:pPr>
+            <a:r>
+              <a:rPr lang="en" sz="1600"/>
+              <a:t>wijzig een commit-tekst</a:t>
+            </a:r>
+            <a:endParaRPr sz="1600"/>
+          </a:p>
+          <a:p>
+            <a:pPr indent="-330200" lvl="0" marL="457200" rtl="0" algn="l">
+              <a:spcBef>
+                <a:spcPts val="0"/>
+              </a:spcBef>
+              <a:spcAft>
+                <a:spcPts val="0"/>
+              </a:spcAft>
+              <a:buSzPts val="1600"/>
+              <a:buChar char="●"/>
+            </a:pPr>
+            <a:r>
+              <a:rPr lang="en" sz="1600"/>
+              <a:t>bij reeds bekende bestanden gebruik de -am optie van commit</a:t>
+            </a:r>
+            <a:endParaRPr sz="1600"/>
           </a:p>
         </p:txBody>
       </p:sp>
